--- a/Transportoptimierung.pptx
+++ b/Transportoptimierung.pptx
@@ -107,6 +107,11 @@
       </a:defRPr>
     </a:lvl9pPr>
   </p:defaultTextStyle>
+  <p:extLst>
+    <p:ext uri="{EFAFB233-063F-42B5-8137-9DF3F51BA10A}">
+      <p15:sldGuideLst xmlns:p15="http://schemas.microsoft.com/office/powerpoint/2012/main"/>
+    </p:ext>
+  </p:extLst>
 </p:presentation>
 </file>
 
@@ -257,7 +262,7 @@
           <a:p>
             <a:fld id="{A4B984C8-9E0E-9549-8FF5-2766394DB570}" type="datetimeFigureOut">
               <a:rPr lang="de-DE" smtClean="0"/>
-              <a:t>02.01.25</a:t>
+              <a:t>09.01.25</a:t>
             </a:fld>
             <a:endParaRPr lang="de-DE"/>
           </a:p>
@@ -455,7 +460,7 @@
           <a:p>
             <a:fld id="{A4B984C8-9E0E-9549-8FF5-2766394DB570}" type="datetimeFigureOut">
               <a:rPr lang="de-DE" smtClean="0"/>
-              <a:t>02.01.25</a:t>
+              <a:t>09.01.25</a:t>
             </a:fld>
             <a:endParaRPr lang="de-DE"/>
           </a:p>
@@ -663,7 +668,7 @@
           <a:p>
             <a:fld id="{A4B984C8-9E0E-9549-8FF5-2766394DB570}" type="datetimeFigureOut">
               <a:rPr lang="de-DE" smtClean="0"/>
-              <a:t>02.01.25</a:t>
+              <a:t>09.01.25</a:t>
             </a:fld>
             <a:endParaRPr lang="de-DE"/>
           </a:p>
@@ -861,7 +866,7 @@
           <a:p>
             <a:fld id="{A4B984C8-9E0E-9549-8FF5-2766394DB570}" type="datetimeFigureOut">
               <a:rPr lang="de-DE" smtClean="0"/>
-              <a:t>02.01.25</a:t>
+              <a:t>09.01.25</a:t>
             </a:fld>
             <a:endParaRPr lang="de-DE"/>
           </a:p>
@@ -1136,7 +1141,7 @@
           <a:p>
             <a:fld id="{A4B984C8-9E0E-9549-8FF5-2766394DB570}" type="datetimeFigureOut">
               <a:rPr lang="de-DE" smtClean="0"/>
-              <a:t>02.01.25</a:t>
+              <a:t>09.01.25</a:t>
             </a:fld>
             <a:endParaRPr lang="de-DE"/>
           </a:p>
@@ -1401,7 +1406,7 @@
           <a:p>
             <a:fld id="{A4B984C8-9E0E-9549-8FF5-2766394DB570}" type="datetimeFigureOut">
               <a:rPr lang="de-DE" smtClean="0"/>
-              <a:t>02.01.25</a:t>
+              <a:t>09.01.25</a:t>
             </a:fld>
             <a:endParaRPr lang="de-DE"/>
           </a:p>
@@ -1813,7 +1818,7 @@
           <a:p>
             <a:fld id="{A4B984C8-9E0E-9549-8FF5-2766394DB570}" type="datetimeFigureOut">
               <a:rPr lang="de-DE" smtClean="0"/>
-              <a:t>02.01.25</a:t>
+              <a:t>09.01.25</a:t>
             </a:fld>
             <a:endParaRPr lang="de-DE"/>
           </a:p>
@@ -1954,7 +1959,7 @@
           <a:p>
             <a:fld id="{A4B984C8-9E0E-9549-8FF5-2766394DB570}" type="datetimeFigureOut">
               <a:rPr lang="de-DE" smtClean="0"/>
-              <a:t>02.01.25</a:t>
+              <a:t>09.01.25</a:t>
             </a:fld>
             <a:endParaRPr lang="de-DE"/>
           </a:p>
@@ -2067,7 +2072,7 @@
           <a:p>
             <a:fld id="{A4B984C8-9E0E-9549-8FF5-2766394DB570}" type="datetimeFigureOut">
               <a:rPr lang="de-DE" smtClean="0"/>
-              <a:t>02.01.25</a:t>
+              <a:t>09.01.25</a:t>
             </a:fld>
             <a:endParaRPr lang="de-DE"/>
           </a:p>
@@ -2378,7 +2383,7 @@
           <a:p>
             <a:fld id="{A4B984C8-9E0E-9549-8FF5-2766394DB570}" type="datetimeFigureOut">
               <a:rPr lang="de-DE" smtClean="0"/>
-              <a:t>02.01.25</a:t>
+              <a:t>09.01.25</a:t>
             </a:fld>
             <a:endParaRPr lang="de-DE"/>
           </a:p>
@@ -2666,7 +2671,7 @@
           <a:p>
             <a:fld id="{A4B984C8-9E0E-9549-8FF5-2766394DB570}" type="datetimeFigureOut">
               <a:rPr lang="de-DE" smtClean="0"/>
-              <a:t>02.01.25</a:t>
+              <a:t>09.01.25</a:t>
             </a:fld>
             <a:endParaRPr lang="de-DE"/>
           </a:p>
@@ -2907,7 +2912,7 @@
           <a:p>
             <a:fld id="{A4B984C8-9E0E-9549-8FF5-2766394DB570}" type="datetimeFigureOut">
               <a:rPr lang="de-DE" smtClean="0"/>
-              <a:t>02.01.25</a:t>
+              <a:t>09.01.25</a:t>
             </a:fld>
             <a:endParaRPr lang="de-DE"/>
           </a:p>
@@ -3605,7 +3610,7 @@
           <a:p>
             <a:r>
               <a:rPr lang="de-DE" dirty="0"/>
-              <a:t>Bildung einer Kostenfunktion welche Wartezeit bis zu Abholung und Entfernung des Fahrzeugs berücksichtigt </a:t>
+              <a:t>Bildung einer Kostenfunktion welche Wartezeit bis zu Abholung, Entfernung des Fahrzeugs und Geschwindigkeit des Fahrzeugs berücksichtigt</a:t>
             </a:r>
           </a:p>
           <a:p>
@@ -3623,14 +3628,320 @@
           <a:p>
             <a:endParaRPr lang="de-DE" dirty="0"/>
           </a:p>
-        </p:txBody>
-      </p:sp>
-      <p:sp>
-        <p:nvSpPr>
-          <p:cNvPr id="4" name="Textfeld 3">
-            <a:extLst>
-              <a:ext uri="{FF2B5EF4-FFF2-40B4-BE49-F238E27FC236}">
-                <a16:creationId xmlns:a16="http://schemas.microsoft.com/office/drawing/2014/main" id="{221D83CB-0FD9-84BB-25AF-3C897EA2AE5D}"/>
+          <a:p>
+            <a:endParaRPr lang="de-DE" dirty="0"/>
+          </a:p>
+          <a:p>
+            <a:r>
+              <a:rPr lang="de-DE" dirty="0"/>
+              <a:t>Optimierungsgröße?</a:t>
+            </a:r>
+          </a:p>
+        </p:txBody>
+      </p:sp>
+      <mc:AlternateContent xmlns:mc="http://schemas.openxmlformats.org/markup-compatibility/2006">
+        <mc:Choice xmlns:a14="http://schemas.microsoft.com/office/drawing/2010/main" Requires="a14">
+          <p:sp>
+            <p:nvSpPr>
+              <p:cNvPr id="5" name="Textfeld 4">
+                <a:extLst>
+                  <a:ext uri="{FF2B5EF4-FFF2-40B4-BE49-F238E27FC236}">
+                    <a16:creationId xmlns:a16="http://schemas.microsoft.com/office/drawing/2014/main" id="{F0AB1805-D325-F9D0-0391-F5EEF9BBC98F}"/>
+                  </a:ext>
+                </a:extLst>
+              </p:cNvPr>
+              <p:cNvSpPr txBox="1"/>
+              <p:nvPr/>
+            </p:nvSpPr>
+            <p:spPr>
+              <a:xfrm>
+                <a:off x="679389" y="4990640"/>
+                <a:ext cx="10833222" cy="276999"/>
+              </a:xfrm>
+              <a:prstGeom prst="rect">
+                <a:avLst/>
+              </a:prstGeom>
+              <a:noFill/>
+            </p:spPr>
+            <p:txBody>
+              <a:bodyPr wrap="none" lIns="0" tIns="0" rIns="0" bIns="0" rtlCol="0">
+                <a:spAutoFit/>
+              </a:bodyPr>
+              <a:lstStyle/>
+              <a:p>
+                <a:pPr/>
+                <a14:m>
+                  <m:oMathPara xmlns:m="http://schemas.openxmlformats.org/officeDocument/2006/math">
+                    <m:oMathParaPr>
+                      <m:jc m:val="centerGroup"/>
+                    </m:oMathParaPr>
+                    <m:oMath xmlns:m="http://schemas.openxmlformats.org/officeDocument/2006/math">
+                      <m:r>
+                        <a:rPr lang="de-DE" b="0" i="1" smtClean="0">
+                          <a:latin typeface="Cambria Math" panose="02040503050406030204" pitchFamily="18" charset="0"/>
+                        </a:rPr>
+                        <m:t>𝐶</m:t>
+                      </m:r>
+                      <m:r>
+                        <a:rPr lang="de-DE" b="0" i="1" smtClean="0">
+                          <a:latin typeface="Cambria Math" panose="02040503050406030204" pitchFamily="18" charset="0"/>
+                        </a:rPr>
+                        <m:t>=</m:t>
+                      </m:r>
+                      <m:r>
+                        <a:rPr lang="de-DE" b="0" i="1" smtClean="0">
+                          <a:latin typeface="Cambria Math" panose="02040503050406030204" pitchFamily="18" charset="0"/>
+                        </a:rPr>
+                        <m:t>𝑎</m:t>
+                      </m:r>
+                      <m:r>
+                        <a:rPr lang="de-DE" b="0" i="1" smtClean="0">
+                          <a:latin typeface="Cambria Math" panose="02040503050406030204" pitchFamily="18" charset="0"/>
+                        </a:rPr>
+                        <m:t>∗</m:t>
+                      </m:r>
+                      <m:r>
+                        <a:rPr lang="de-DE" b="0" i="1" smtClean="0">
+                          <a:latin typeface="Cambria Math" panose="02040503050406030204" pitchFamily="18" charset="0"/>
+                        </a:rPr>
+                        <m:t>𝐸𝑛𝑡𝑓𝑒𝑟𝑛𝑢𝑛𝑔</m:t>
+                      </m:r>
+                      <m:r>
+                        <a:rPr lang="de-DE" b="0" i="1" smtClean="0">
+                          <a:latin typeface="Cambria Math" panose="02040503050406030204" pitchFamily="18" charset="0"/>
+                        </a:rPr>
+                        <m:t> </m:t>
+                      </m:r>
+                      <m:r>
+                        <a:rPr lang="de-DE" b="0" i="1" smtClean="0">
+                          <a:latin typeface="Cambria Math" panose="02040503050406030204" pitchFamily="18" charset="0"/>
+                        </a:rPr>
+                        <m:t>𝐹𝐹𝑍</m:t>
+                      </m:r>
+                      <m:r>
+                        <a:rPr lang="de-DE" b="0" i="1" smtClean="0">
+                          <a:latin typeface="Cambria Math" panose="02040503050406030204" pitchFamily="18" charset="0"/>
+                        </a:rPr>
+                        <m:t>+</m:t>
+                      </m:r>
+                      <m:r>
+                        <a:rPr lang="de-DE" b="0" i="1" smtClean="0">
+                          <a:latin typeface="Cambria Math" panose="02040503050406030204" pitchFamily="18" charset="0"/>
+                        </a:rPr>
+                        <m:t>𝑏</m:t>
+                      </m:r>
+                      <m:r>
+                        <a:rPr lang="de-DE" b="0" i="1" smtClean="0">
+                          <a:latin typeface="Cambria Math" panose="02040503050406030204" pitchFamily="18" charset="0"/>
+                        </a:rPr>
+                        <m:t>∗</m:t>
+                      </m:r>
+                      <m:r>
+                        <a:rPr lang="de-DE" b="0" i="1" smtClean="0">
+                          <a:latin typeface="Cambria Math" panose="02040503050406030204" pitchFamily="18" charset="0"/>
+                        </a:rPr>
+                        <m:t>𝐴𝑛𝑧𝑎h𝑙</m:t>
+                      </m:r>
+                      <m:r>
+                        <a:rPr lang="de-DE" b="0" i="1" smtClean="0">
+                          <a:latin typeface="Cambria Math" panose="02040503050406030204" pitchFamily="18" charset="0"/>
+                        </a:rPr>
+                        <m:t> </m:t>
+                      </m:r>
+                      <m:r>
+                        <a:rPr lang="de-DE" b="0" i="1" smtClean="0">
+                          <a:latin typeface="Cambria Math" panose="02040503050406030204" pitchFamily="18" charset="0"/>
+                        </a:rPr>
+                        <m:t>𝑑𝑒𝑟</m:t>
+                      </m:r>
+                      <m:r>
+                        <a:rPr lang="de-DE" b="0" i="1" smtClean="0">
+                          <a:latin typeface="Cambria Math" panose="02040503050406030204" pitchFamily="18" charset="0"/>
+                        </a:rPr>
+                        <m:t> </m:t>
+                      </m:r>
+                      <m:r>
+                        <a:rPr lang="de-DE" b="0" i="1" smtClean="0">
+                          <a:latin typeface="Cambria Math" panose="02040503050406030204" pitchFamily="18" charset="0"/>
+                        </a:rPr>
+                        <m:t>𝐴𝑢𝑓𝑡𝑟</m:t>
+                      </m:r>
+                      <m:r>
+                        <a:rPr lang="de-DE" b="0" i="1" smtClean="0">
+                          <a:latin typeface="Cambria Math" panose="02040503050406030204" pitchFamily="18" charset="0"/>
+                        </a:rPr>
+                        <m:t>ä</m:t>
+                      </m:r>
+                      <m:r>
+                        <a:rPr lang="de-DE" b="0" i="1" smtClean="0">
+                          <a:latin typeface="Cambria Math" panose="02040503050406030204" pitchFamily="18" charset="0"/>
+                        </a:rPr>
+                        <m:t>𝑔𝑒</m:t>
+                      </m:r>
+                      <m:r>
+                        <a:rPr lang="de-DE" b="0" i="1" smtClean="0">
+                          <a:latin typeface="Cambria Math" panose="02040503050406030204" pitchFamily="18" charset="0"/>
+                        </a:rPr>
+                        <m:t> </m:t>
+                      </m:r>
+                      <m:r>
+                        <a:rPr lang="de-DE" b="0" i="1" smtClean="0">
+                          <a:latin typeface="Cambria Math" panose="02040503050406030204" pitchFamily="18" charset="0"/>
+                        </a:rPr>
+                        <m:t>𝑖𝑛</m:t>
+                      </m:r>
+                      <m:r>
+                        <a:rPr lang="de-DE" b="0" i="1" smtClean="0">
+                          <a:latin typeface="Cambria Math" panose="02040503050406030204" pitchFamily="18" charset="0"/>
+                        </a:rPr>
+                        <m:t> </m:t>
+                      </m:r>
+                      <m:r>
+                        <a:rPr lang="de-DE" b="0" i="1" smtClean="0">
+                          <a:latin typeface="Cambria Math" panose="02040503050406030204" pitchFamily="18" charset="0"/>
+                        </a:rPr>
+                        <m:t>𝐹𝐹𝑍</m:t>
+                      </m:r>
+                      <m:r>
+                        <a:rPr lang="de-DE" b="0" i="1" smtClean="0">
+                          <a:latin typeface="Cambria Math" panose="02040503050406030204" pitchFamily="18" charset="0"/>
+                        </a:rPr>
+                        <m:t> </m:t>
+                      </m:r>
+                      <m:r>
+                        <a:rPr lang="de-DE" b="0" i="1" smtClean="0">
+                          <a:latin typeface="Cambria Math" panose="02040503050406030204" pitchFamily="18" charset="0"/>
+                        </a:rPr>
+                        <m:t>𝑄𝑢𝑒𝑢𝑒</m:t>
+                      </m:r>
+                      <m:r>
+                        <a:rPr lang="de-DE" b="0" i="1" smtClean="0">
+                          <a:latin typeface="Cambria Math" panose="02040503050406030204" pitchFamily="18" charset="0"/>
+                        </a:rPr>
+                        <m:t>−</m:t>
+                      </m:r>
+                      <m:r>
+                        <a:rPr lang="de-DE" b="0" i="1" smtClean="0">
+                          <a:latin typeface="Cambria Math" panose="02040503050406030204" pitchFamily="18" charset="0"/>
+                        </a:rPr>
+                        <m:t>𝑐</m:t>
+                      </m:r>
+                      <m:r>
+                        <a:rPr lang="de-DE" b="0" i="1" smtClean="0">
+                          <a:latin typeface="Cambria Math" panose="02040503050406030204" pitchFamily="18" charset="0"/>
+                        </a:rPr>
+                        <m:t>∗</m:t>
+                      </m:r>
+                      <m:r>
+                        <a:rPr lang="de-DE" b="0" i="1" smtClean="0">
+                          <a:latin typeface="Cambria Math" panose="02040503050406030204" pitchFamily="18" charset="0"/>
+                        </a:rPr>
+                        <m:t>𝐺𝑒𝑠𝑐h𝑤𝑖𝑛𝑑𝑖𝑔𝑘𝑒𝑖𝑡</m:t>
+                      </m:r>
+                      <m:r>
+                        <a:rPr lang="de-DE" b="0" i="1" smtClean="0">
+                          <a:latin typeface="Cambria Math" panose="02040503050406030204" pitchFamily="18" charset="0"/>
+                        </a:rPr>
+                        <m:t> </m:t>
+                      </m:r>
+                      <m:r>
+                        <a:rPr lang="de-DE" b="0" i="1" smtClean="0">
+                          <a:latin typeface="Cambria Math" panose="02040503050406030204" pitchFamily="18" charset="0"/>
+                        </a:rPr>
+                        <m:t>𝑑𝑒𝑠</m:t>
+                      </m:r>
+                      <m:r>
+                        <a:rPr lang="de-DE" b="0" i="1" smtClean="0">
+                          <a:latin typeface="Cambria Math" panose="02040503050406030204" pitchFamily="18" charset="0"/>
+                        </a:rPr>
+                        <m:t> </m:t>
+                      </m:r>
+                      <m:r>
+                        <a:rPr lang="de-DE" b="0" i="1" smtClean="0">
+                          <a:latin typeface="Cambria Math" panose="02040503050406030204" pitchFamily="18" charset="0"/>
+                        </a:rPr>
+                        <m:t>𝐹𝐹𝑍</m:t>
+                      </m:r>
+                      <m:r>
+                        <a:rPr lang="de-DE" i="1">
+                          <a:latin typeface="Cambria Math" panose="02040503050406030204" pitchFamily="18" charset="0"/>
+                          <a:ea typeface="Cambria Math" panose="02040503050406030204" pitchFamily="18" charset="0"/>
+                        </a:rPr>
+                        <m:t>→</m:t>
+                      </m:r>
+                      <m:r>
+                        <a:rPr lang="de-DE" b="0" i="1" smtClean="0">
+                          <a:latin typeface="Cambria Math" panose="02040503050406030204" pitchFamily="18" charset="0"/>
+                          <a:ea typeface="Cambria Math" panose="02040503050406030204" pitchFamily="18" charset="0"/>
+                        </a:rPr>
+                        <m:t>𝑚𝑖𝑛</m:t>
+                      </m:r>
+                      <m:r>
+                        <a:rPr lang="de-DE" b="0" i="1" smtClean="0">
+                          <a:latin typeface="Cambria Math" panose="02040503050406030204" pitchFamily="18" charset="0"/>
+                          <a:ea typeface="Cambria Math" panose="02040503050406030204" pitchFamily="18" charset="0"/>
+                        </a:rPr>
+                        <m:t>!</m:t>
+                      </m:r>
+                    </m:oMath>
+                  </m:oMathPara>
+                </a14:m>
+                <a:endParaRPr lang="de-DE" dirty="0"/>
+              </a:p>
+            </p:txBody>
+          </p:sp>
+        </mc:Choice>
+        <mc:Fallback>
+          <p:sp>
+            <p:nvSpPr>
+              <p:cNvPr id="5" name="Textfeld 4">
+                <a:extLst>
+                  <a:ext uri="{FF2B5EF4-FFF2-40B4-BE49-F238E27FC236}">
+                    <a16:creationId xmlns:a16="http://schemas.microsoft.com/office/drawing/2014/main" id="{F0AB1805-D325-F9D0-0391-F5EEF9BBC98F}"/>
+                  </a:ext>
+                </a:extLst>
+              </p:cNvPr>
+              <p:cNvSpPr txBox="1">
+                <a:spLocks noRot="1" noChangeAspect="1" noMove="1" noResize="1" noEditPoints="1" noAdjustHandles="1" noChangeArrowheads="1" noChangeShapeType="1" noTextEdit="1"/>
+              </p:cNvSpPr>
+              <p:nvPr/>
+            </p:nvSpPr>
+            <p:spPr>
+              <a:xfrm>
+                <a:off x="679389" y="4990640"/>
+                <a:ext cx="10833222" cy="276999"/>
+              </a:xfrm>
+              <a:prstGeom prst="rect">
+                <a:avLst/>
+              </a:prstGeom>
+              <a:blipFill>
+                <a:blip r:embed="rId2"/>
+                <a:stretch>
+                  <a:fillRect t="-9091" b="-40909"/>
+                </a:stretch>
+              </a:blipFill>
+            </p:spPr>
+            <p:txBody>
+              <a:bodyPr/>
+              <a:lstStyle/>
+              <a:p>
+                <a:r>
+                  <a:rPr lang="de-DE">
+                    <a:noFill/>
+                  </a:rPr>
+                  <a:t> </a:t>
+                </a:r>
+              </a:p>
+            </p:txBody>
+          </p:sp>
+        </mc:Fallback>
+      </mc:AlternateContent>
+      <p:sp>
+        <p:nvSpPr>
+          <p:cNvPr id="6" name="Textfeld 5">
+            <a:extLst>
+              <a:ext uri="{FF2B5EF4-FFF2-40B4-BE49-F238E27FC236}">
+                <a16:creationId xmlns:a16="http://schemas.microsoft.com/office/drawing/2014/main" id="{F4FDDFB8-515F-790F-7829-E1E64185D00F}"/>
               </a:ext>
             </a:extLst>
           </p:cNvPr>
@@ -3639,8 +3950,8 @@
         </p:nvSpPr>
         <p:spPr>
           <a:xfrm>
-            <a:off x="5916706" y="-35419"/>
-            <a:ext cx="6398567" cy="646331"/>
+            <a:off x="9034191" y="-35419"/>
+            <a:ext cx="3281082" cy="646331"/>
           </a:xfrm>
           <a:prstGeom prst="rect">
             <a:avLst/>
@@ -3653,14 +3964,6 @@
           </a:bodyPr>
           <a:lstStyle/>
           <a:p>
-            <a:r>
-              <a:rPr lang="de-DE" sz="3600" b="1" dirty="0">
-                <a:solidFill>
-                  <a:srgbClr val="FF0000"/>
-                </a:solidFill>
-              </a:rPr>
-              <a:t>Implementierung</a:t>
-            </a:r>
             <a:r>
               <a:rPr lang="de-DE" sz="3600" b="1" dirty="0">
                 <a:solidFill>
@@ -3669,15 +3972,7 @@
                   </a:schemeClr>
                 </a:solidFill>
               </a:rPr>
-              <a:t> </a:t>
-            </a:r>
-            <a:r>
-              <a:rPr lang="de-DE" sz="3600" b="1" dirty="0">
-                <a:solidFill>
-                  <a:srgbClr val="FF0000"/>
-                </a:solidFill>
-              </a:rPr>
-              <a:t>ausstehend</a:t>
+              <a:t>Implementiert</a:t>
             </a:r>
           </a:p>
         </p:txBody>

--- a/Transportoptimierung.pptx
+++ b/Transportoptimierung.pptx
@@ -4,11 +4,14 @@
   <p:sldMasterIdLst>
     <p:sldMasterId id="2147483648" r:id="rId1"/>
   </p:sldMasterIdLst>
+  <p:notesMasterIdLst>
+    <p:notesMasterId r:id="rId6"/>
+  </p:notesMasterIdLst>
   <p:sldIdLst>
-    <p:sldId id="260" r:id="rId2"/>
-    <p:sldId id="257" r:id="rId3"/>
-    <p:sldId id="258" r:id="rId4"/>
-    <p:sldId id="259" r:id="rId5"/>
+    <p:sldId id="257" r:id="rId2"/>
+    <p:sldId id="258" r:id="rId3"/>
+    <p:sldId id="259" r:id="rId4"/>
+    <p:sldId id="260" r:id="rId5"/>
   </p:sldIdLst>
   <p:sldSz cx="12192000" cy="6858000"/>
   <p:notesSz cx="6858000" cy="9144000"/>
@@ -115,6 +118,439 @@
 </p:presentation>
 </file>
 
+<file path=ppt/notesMasters/notesMaster1.xml><?xml version="1.0" encoding="utf-8"?>
+<p:notesMaster xmlns:a="http://schemas.openxmlformats.org/drawingml/2006/main" xmlns:r="http://schemas.openxmlformats.org/officeDocument/2006/relationships" xmlns:p="http://schemas.openxmlformats.org/presentationml/2006/main">
+  <p:cSld>
+    <p:bg>
+      <p:bgRef idx="1001">
+        <a:schemeClr val="bg1"/>
+      </p:bgRef>
+    </p:bg>
+    <p:spTree>
+      <p:nvGrpSpPr>
+        <p:cNvPr id="1" name=""/>
+        <p:cNvGrpSpPr/>
+        <p:nvPr/>
+      </p:nvGrpSpPr>
+      <p:grpSpPr>
+        <a:xfrm>
+          <a:off x="0" y="0"/>
+          <a:ext cx="0" cy="0"/>
+          <a:chOff x="0" y="0"/>
+          <a:chExt cx="0" cy="0"/>
+        </a:xfrm>
+      </p:grpSpPr>
+      <p:sp>
+        <p:nvSpPr>
+          <p:cNvPr id="2" name="Kopfzeilenplatzhalter 1"/>
+          <p:cNvSpPr>
+            <a:spLocks noGrp="1"/>
+          </p:cNvSpPr>
+          <p:nvPr>
+            <p:ph type="hdr" sz="quarter"/>
+          </p:nvPr>
+        </p:nvSpPr>
+        <p:spPr>
+          <a:xfrm>
+            <a:off x="0" y="0"/>
+            <a:ext cx="2971800" cy="458788"/>
+          </a:xfrm>
+          <a:prstGeom prst="rect">
+            <a:avLst/>
+          </a:prstGeom>
+        </p:spPr>
+        <p:txBody>
+          <a:bodyPr vert="horz" lIns="91440" tIns="45720" rIns="91440" bIns="45720" rtlCol="0"/>
+          <a:lstStyle>
+            <a:lvl1pPr algn="l">
+              <a:defRPr sz="1200"/>
+            </a:lvl1pPr>
+          </a:lstStyle>
+          <a:p>
+            <a:endParaRPr lang="de-DE"/>
+          </a:p>
+        </p:txBody>
+      </p:sp>
+      <p:sp>
+        <p:nvSpPr>
+          <p:cNvPr id="3" name="Datumsplatzhalter 2"/>
+          <p:cNvSpPr>
+            <a:spLocks noGrp="1"/>
+          </p:cNvSpPr>
+          <p:nvPr>
+            <p:ph type="dt" idx="1"/>
+          </p:nvPr>
+        </p:nvSpPr>
+        <p:spPr>
+          <a:xfrm>
+            <a:off x="3884613" y="0"/>
+            <a:ext cx="2971800" cy="458788"/>
+          </a:xfrm>
+          <a:prstGeom prst="rect">
+            <a:avLst/>
+          </a:prstGeom>
+        </p:spPr>
+        <p:txBody>
+          <a:bodyPr vert="horz" lIns="91440" tIns="45720" rIns="91440" bIns="45720" rtlCol="0"/>
+          <a:lstStyle>
+            <a:lvl1pPr algn="r">
+              <a:defRPr sz="1200"/>
+            </a:lvl1pPr>
+          </a:lstStyle>
+          <a:p>
+            <a:fld id="{47D81A12-0F04-9442-8843-B67F9E899958}" type="datetimeFigureOut">
+              <a:rPr lang="de-DE" smtClean="0"/>
+              <a:t>20.01.25</a:t>
+            </a:fld>
+            <a:endParaRPr lang="de-DE"/>
+          </a:p>
+        </p:txBody>
+      </p:sp>
+      <p:sp>
+        <p:nvSpPr>
+          <p:cNvPr id="4" name="Folienbildplatzhalter 3"/>
+          <p:cNvSpPr>
+            <a:spLocks noGrp="1" noRot="1" noChangeAspect="1"/>
+          </p:cNvSpPr>
+          <p:nvPr>
+            <p:ph type="sldImg" idx="2"/>
+          </p:nvPr>
+        </p:nvSpPr>
+        <p:spPr>
+          <a:xfrm>
+            <a:off x="685800" y="1143000"/>
+            <a:ext cx="5486400" cy="3086100"/>
+          </a:xfrm>
+          <a:prstGeom prst="rect">
+            <a:avLst/>
+          </a:prstGeom>
+          <a:noFill/>
+          <a:ln w="12700">
+            <a:solidFill>
+              <a:prstClr val="black"/>
+            </a:solidFill>
+          </a:ln>
+        </p:spPr>
+        <p:txBody>
+          <a:bodyPr vert="horz" lIns="91440" tIns="45720" rIns="91440" bIns="45720" rtlCol="0" anchor="ctr"/>
+          <a:lstStyle/>
+          <a:p>
+            <a:endParaRPr lang="de-DE"/>
+          </a:p>
+        </p:txBody>
+      </p:sp>
+      <p:sp>
+        <p:nvSpPr>
+          <p:cNvPr id="5" name="Notizenplatzhalter 4"/>
+          <p:cNvSpPr>
+            <a:spLocks noGrp="1"/>
+          </p:cNvSpPr>
+          <p:nvPr>
+            <p:ph type="body" sz="quarter" idx="3"/>
+          </p:nvPr>
+        </p:nvSpPr>
+        <p:spPr>
+          <a:xfrm>
+            <a:off x="685800" y="4400550"/>
+            <a:ext cx="5486400" cy="3600450"/>
+          </a:xfrm>
+          <a:prstGeom prst="rect">
+            <a:avLst/>
+          </a:prstGeom>
+        </p:spPr>
+        <p:txBody>
+          <a:bodyPr vert="horz" lIns="91440" tIns="45720" rIns="91440" bIns="45720" rtlCol="0"/>
+          <a:lstStyle/>
+          <a:p>
+            <a:pPr lvl="0"/>
+            <a:r>
+              <a:rPr lang="de-DE"/>
+              <a:t>Mastertextformat bearbeiten</a:t>
+            </a:r>
+          </a:p>
+          <a:p>
+            <a:pPr lvl="1"/>
+            <a:r>
+              <a:rPr lang="de-DE"/>
+              <a:t>Zweite Ebene</a:t>
+            </a:r>
+          </a:p>
+          <a:p>
+            <a:pPr lvl="2"/>
+            <a:r>
+              <a:rPr lang="de-DE"/>
+              <a:t>Dritte Ebene</a:t>
+            </a:r>
+          </a:p>
+          <a:p>
+            <a:pPr lvl="3"/>
+            <a:r>
+              <a:rPr lang="de-DE"/>
+              <a:t>Vierte Ebene</a:t>
+            </a:r>
+          </a:p>
+          <a:p>
+            <a:pPr lvl="4"/>
+            <a:r>
+              <a:rPr lang="de-DE"/>
+              <a:t>Fünfte Ebene</a:t>
+            </a:r>
+          </a:p>
+        </p:txBody>
+      </p:sp>
+      <p:sp>
+        <p:nvSpPr>
+          <p:cNvPr id="6" name="Fußzeilenplatzhalter 5"/>
+          <p:cNvSpPr>
+            <a:spLocks noGrp="1"/>
+          </p:cNvSpPr>
+          <p:nvPr>
+            <p:ph type="ftr" sz="quarter" idx="4"/>
+          </p:nvPr>
+        </p:nvSpPr>
+        <p:spPr>
+          <a:xfrm>
+            <a:off x="0" y="8685213"/>
+            <a:ext cx="2971800" cy="458787"/>
+          </a:xfrm>
+          <a:prstGeom prst="rect">
+            <a:avLst/>
+          </a:prstGeom>
+        </p:spPr>
+        <p:txBody>
+          <a:bodyPr vert="horz" lIns="91440" tIns="45720" rIns="91440" bIns="45720" rtlCol="0" anchor="b"/>
+          <a:lstStyle>
+            <a:lvl1pPr algn="l">
+              <a:defRPr sz="1200"/>
+            </a:lvl1pPr>
+          </a:lstStyle>
+          <a:p>
+            <a:endParaRPr lang="de-DE"/>
+          </a:p>
+        </p:txBody>
+      </p:sp>
+      <p:sp>
+        <p:nvSpPr>
+          <p:cNvPr id="7" name="Foliennummernplatzhalter 6"/>
+          <p:cNvSpPr>
+            <a:spLocks noGrp="1"/>
+          </p:cNvSpPr>
+          <p:nvPr>
+            <p:ph type="sldNum" sz="quarter" idx="5"/>
+          </p:nvPr>
+        </p:nvSpPr>
+        <p:spPr>
+          <a:xfrm>
+            <a:off x="3884613" y="8685213"/>
+            <a:ext cx="2971800" cy="458787"/>
+          </a:xfrm>
+          <a:prstGeom prst="rect">
+            <a:avLst/>
+          </a:prstGeom>
+        </p:spPr>
+        <p:txBody>
+          <a:bodyPr vert="horz" lIns="91440" tIns="45720" rIns="91440" bIns="45720" rtlCol="0" anchor="b"/>
+          <a:lstStyle>
+            <a:lvl1pPr algn="r">
+              <a:defRPr sz="1200"/>
+            </a:lvl1pPr>
+          </a:lstStyle>
+          <a:p>
+            <a:fld id="{51DAD241-F22B-464F-9E2B-68842930B9E9}" type="slidenum">
+              <a:rPr lang="de-DE" smtClean="0"/>
+              <a:t>‹Nr.›</a:t>
+            </a:fld>
+            <a:endParaRPr lang="de-DE"/>
+          </a:p>
+        </p:txBody>
+      </p:sp>
+    </p:spTree>
+    <p:extLst>
+      <p:ext uri="{BB962C8B-B14F-4D97-AF65-F5344CB8AC3E}">
+        <p14:creationId xmlns:p14="http://schemas.microsoft.com/office/powerpoint/2010/main" val="4155376961"/>
+      </p:ext>
+    </p:extLst>
+  </p:cSld>
+  <p:clrMap bg1="lt1" tx1="dk1" bg2="lt2" tx2="dk2" accent1="accent1" accent2="accent2" accent3="accent3" accent4="accent4" accent5="accent5" accent6="accent6" hlink="hlink" folHlink="folHlink"/>
+  <p:notesStyle>
+    <a:lvl1pPr marL="0" algn="l" defTabSz="914400" rtl="0" eaLnBrk="1" latinLnBrk="0" hangingPunct="1">
+      <a:defRPr sz="1200" kern="1200">
+        <a:solidFill>
+          <a:schemeClr val="tx1"/>
+        </a:solidFill>
+        <a:latin typeface="+mn-lt"/>
+        <a:ea typeface="+mn-ea"/>
+        <a:cs typeface="+mn-cs"/>
+      </a:defRPr>
+    </a:lvl1pPr>
+    <a:lvl2pPr marL="457200" algn="l" defTabSz="914400" rtl="0" eaLnBrk="1" latinLnBrk="0" hangingPunct="1">
+      <a:defRPr sz="1200" kern="1200">
+        <a:solidFill>
+          <a:schemeClr val="tx1"/>
+        </a:solidFill>
+        <a:latin typeface="+mn-lt"/>
+        <a:ea typeface="+mn-ea"/>
+        <a:cs typeface="+mn-cs"/>
+      </a:defRPr>
+    </a:lvl2pPr>
+    <a:lvl3pPr marL="914400" algn="l" defTabSz="914400" rtl="0" eaLnBrk="1" latinLnBrk="0" hangingPunct="1">
+      <a:defRPr sz="1200" kern="1200">
+        <a:solidFill>
+          <a:schemeClr val="tx1"/>
+        </a:solidFill>
+        <a:latin typeface="+mn-lt"/>
+        <a:ea typeface="+mn-ea"/>
+        <a:cs typeface="+mn-cs"/>
+      </a:defRPr>
+    </a:lvl3pPr>
+    <a:lvl4pPr marL="1371600" algn="l" defTabSz="914400" rtl="0" eaLnBrk="1" latinLnBrk="0" hangingPunct="1">
+      <a:defRPr sz="1200" kern="1200">
+        <a:solidFill>
+          <a:schemeClr val="tx1"/>
+        </a:solidFill>
+        <a:latin typeface="+mn-lt"/>
+        <a:ea typeface="+mn-ea"/>
+        <a:cs typeface="+mn-cs"/>
+      </a:defRPr>
+    </a:lvl4pPr>
+    <a:lvl5pPr marL="1828800" algn="l" defTabSz="914400" rtl="0" eaLnBrk="1" latinLnBrk="0" hangingPunct="1">
+      <a:defRPr sz="1200" kern="1200">
+        <a:solidFill>
+          <a:schemeClr val="tx1"/>
+        </a:solidFill>
+        <a:latin typeface="+mn-lt"/>
+        <a:ea typeface="+mn-ea"/>
+        <a:cs typeface="+mn-cs"/>
+      </a:defRPr>
+    </a:lvl5pPr>
+    <a:lvl6pPr marL="2286000" algn="l" defTabSz="914400" rtl="0" eaLnBrk="1" latinLnBrk="0" hangingPunct="1">
+      <a:defRPr sz="1200" kern="1200">
+        <a:solidFill>
+          <a:schemeClr val="tx1"/>
+        </a:solidFill>
+        <a:latin typeface="+mn-lt"/>
+        <a:ea typeface="+mn-ea"/>
+        <a:cs typeface="+mn-cs"/>
+      </a:defRPr>
+    </a:lvl6pPr>
+    <a:lvl7pPr marL="2743200" algn="l" defTabSz="914400" rtl="0" eaLnBrk="1" latinLnBrk="0" hangingPunct="1">
+      <a:defRPr sz="1200" kern="1200">
+        <a:solidFill>
+          <a:schemeClr val="tx1"/>
+        </a:solidFill>
+        <a:latin typeface="+mn-lt"/>
+        <a:ea typeface="+mn-ea"/>
+        <a:cs typeface="+mn-cs"/>
+      </a:defRPr>
+    </a:lvl7pPr>
+    <a:lvl8pPr marL="3200400" algn="l" defTabSz="914400" rtl="0" eaLnBrk="1" latinLnBrk="0" hangingPunct="1">
+      <a:defRPr sz="1200" kern="1200">
+        <a:solidFill>
+          <a:schemeClr val="tx1"/>
+        </a:solidFill>
+        <a:latin typeface="+mn-lt"/>
+        <a:ea typeface="+mn-ea"/>
+        <a:cs typeface="+mn-cs"/>
+      </a:defRPr>
+    </a:lvl8pPr>
+    <a:lvl9pPr marL="3657600" algn="l" defTabSz="914400" rtl="0" eaLnBrk="1" latinLnBrk="0" hangingPunct="1">
+      <a:defRPr sz="1200" kern="1200">
+        <a:solidFill>
+          <a:schemeClr val="tx1"/>
+        </a:solidFill>
+        <a:latin typeface="+mn-lt"/>
+        <a:ea typeface="+mn-ea"/>
+        <a:cs typeface="+mn-cs"/>
+      </a:defRPr>
+    </a:lvl9pPr>
+  </p:notesStyle>
+</p:notesMaster>
+</file>
+
+<file path=ppt/notesSlides/notesSlide1.xml><?xml version="1.0" encoding="utf-8"?>
+<p:notes xmlns:a="http://schemas.openxmlformats.org/drawingml/2006/main" xmlns:r="http://schemas.openxmlformats.org/officeDocument/2006/relationships" xmlns:p="http://schemas.openxmlformats.org/presentationml/2006/main">
+  <p:cSld>
+    <p:spTree>
+      <p:nvGrpSpPr>
+        <p:cNvPr id="1" name=""/>
+        <p:cNvGrpSpPr/>
+        <p:nvPr/>
+      </p:nvGrpSpPr>
+      <p:grpSpPr>
+        <a:xfrm>
+          <a:off x="0" y="0"/>
+          <a:ext cx="0" cy="0"/>
+          <a:chOff x="0" y="0"/>
+          <a:chExt cx="0" cy="0"/>
+        </a:xfrm>
+      </p:grpSpPr>
+      <p:sp>
+        <p:nvSpPr>
+          <p:cNvPr id="2" name="Folienbildplatzhalter 1"/>
+          <p:cNvSpPr>
+            <a:spLocks noGrp="1" noRot="1" noChangeAspect="1"/>
+          </p:cNvSpPr>
+          <p:nvPr>
+            <p:ph type="sldImg"/>
+          </p:nvPr>
+        </p:nvSpPr>
+        <p:spPr/>
+      </p:sp>
+      <p:sp>
+        <p:nvSpPr>
+          <p:cNvPr id="3" name="Notizenplatzhalter 2"/>
+          <p:cNvSpPr>
+            <a:spLocks noGrp="1"/>
+          </p:cNvSpPr>
+          <p:nvPr>
+            <p:ph type="body" idx="1"/>
+          </p:nvPr>
+        </p:nvSpPr>
+        <p:spPr/>
+        <p:txBody>
+          <a:bodyPr/>
+          <a:lstStyle/>
+          <a:p>
+            <a:endParaRPr lang="de-DE"/>
+          </a:p>
+        </p:txBody>
+      </p:sp>
+      <p:sp>
+        <p:nvSpPr>
+          <p:cNvPr id="4" name="Foliennummernplatzhalter 3"/>
+          <p:cNvSpPr>
+            <a:spLocks noGrp="1"/>
+          </p:cNvSpPr>
+          <p:nvPr>
+            <p:ph type="sldNum" sz="quarter" idx="5"/>
+          </p:nvPr>
+        </p:nvSpPr>
+        <p:spPr/>
+        <p:txBody>
+          <a:bodyPr/>
+          <a:lstStyle/>
+          <a:p>
+            <a:fld id="{51DAD241-F22B-464F-9E2B-68842930B9E9}" type="slidenum">
+              <a:rPr lang="de-DE" smtClean="0"/>
+              <a:t>4</a:t>
+            </a:fld>
+            <a:endParaRPr lang="de-DE"/>
+          </a:p>
+        </p:txBody>
+      </p:sp>
+    </p:spTree>
+    <p:extLst>
+      <p:ext uri="{BB962C8B-B14F-4D97-AF65-F5344CB8AC3E}">
+        <p14:creationId xmlns:p14="http://schemas.microsoft.com/office/powerpoint/2010/main" val="2611141218"/>
+      </p:ext>
+    </p:extLst>
+  </p:cSld>
+  <p:clrMapOvr>
+    <a:masterClrMapping/>
+  </p:clrMapOvr>
+</p:notes>
+</file>
+
 <file path=ppt/slideLayouts/slideLayout1.xml><?xml version="1.0" encoding="utf-8"?>
 <p:sldLayout xmlns:a="http://schemas.openxmlformats.org/drawingml/2006/main" xmlns:r="http://schemas.openxmlformats.org/officeDocument/2006/relationships" xmlns:p="http://schemas.openxmlformats.org/presentationml/2006/main" type="title" preserve="1">
   <p:cSld name="Titelfolie">
@@ -262,7 +698,7 @@
           <a:p>
             <a:fld id="{A4B984C8-9E0E-9549-8FF5-2766394DB570}" type="datetimeFigureOut">
               <a:rPr lang="de-DE" smtClean="0"/>
-              <a:t>09.01.25</a:t>
+              <a:t>16.01.25</a:t>
             </a:fld>
             <a:endParaRPr lang="de-DE"/>
           </a:p>
@@ -460,7 +896,7 @@
           <a:p>
             <a:fld id="{A4B984C8-9E0E-9549-8FF5-2766394DB570}" type="datetimeFigureOut">
               <a:rPr lang="de-DE" smtClean="0"/>
-              <a:t>09.01.25</a:t>
+              <a:t>16.01.25</a:t>
             </a:fld>
             <a:endParaRPr lang="de-DE"/>
           </a:p>
@@ -668,7 +1104,7 @@
           <a:p>
             <a:fld id="{A4B984C8-9E0E-9549-8FF5-2766394DB570}" type="datetimeFigureOut">
               <a:rPr lang="de-DE" smtClean="0"/>
-              <a:t>09.01.25</a:t>
+              <a:t>16.01.25</a:t>
             </a:fld>
             <a:endParaRPr lang="de-DE"/>
           </a:p>
@@ -866,7 +1302,7 @@
           <a:p>
             <a:fld id="{A4B984C8-9E0E-9549-8FF5-2766394DB570}" type="datetimeFigureOut">
               <a:rPr lang="de-DE" smtClean="0"/>
-              <a:t>09.01.25</a:t>
+              <a:t>16.01.25</a:t>
             </a:fld>
             <a:endParaRPr lang="de-DE"/>
           </a:p>
@@ -1141,7 +1577,7 @@
           <a:p>
             <a:fld id="{A4B984C8-9E0E-9549-8FF5-2766394DB570}" type="datetimeFigureOut">
               <a:rPr lang="de-DE" smtClean="0"/>
-              <a:t>09.01.25</a:t>
+              <a:t>16.01.25</a:t>
             </a:fld>
             <a:endParaRPr lang="de-DE"/>
           </a:p>
@@ -1406,7 +1842,7 @@
           <a:p>
             <a:fld id="{A4B984C8-9E0E-9549-8FF5-2766394DB570}" type="datetimeFigureOut">
               <a:rPr lang="de-DE" smtClean="0"/>
-              <a:t>09.01.25</a:t>
+              <a:t>16.01.25</a:t>
             </a:fld>
             <a:endParaRPr lang="de-DE"/>
           </a:p>
@@ -1818,7 +2254,7 @@
           <a:p>
             <a:fld id="{A4B984C8-9E0E-9549-8FF5-2766394DB570}" type="datetimeFigureOut">
               <a:rPr lang="de-DE" smtClean="0"/>
-              <a:t>09.01.25</a:t>
+              <a:t>16.01.25</a:t>
             </a:fld>
             <a:endParaRPr lang="de-DE"/>
           </a:p>
@@ -1959,7 +2395,7 @@
           <a:p>
             <a:fld id="{A4B984C8-9E0E-9549-8FF5-2766394DB570}" type="datetimeFigureOut">
               <a:rPr lang="de-DE" smtClean="0"/>
-              <a:t>09.01.25</a:t>
+              <a:t>16.01.25</a:t>
             </a:fld>
             <a:endParaRPr lang="de-DE"/>
           </a:p>
@@ -2072,7 +2508,7 @@
           <a:p>
             <a:fld id="{A4B984C8-9E0E-9549-8FF5-2766394DB570}" type="datetimeFigureOut">
               <a:rPr lang="de-DE" smtClean="0"/>
-              <a:t>09.01.25</a:t>
+              <a:t>16.01.25</a:t>
             </a:fld>
             <a:endParaRPr lang="de-DE"/>
           </a:p>
@@ -2383,7 +2819,7 @@
           <a:p>
             <a:fld id="{A4B984C8-9E0E-9549-8FF5-2766394DB570}" type="datetimeFigureOut">
               <a:rPr lang="de-DE" smtClean="0"/>
-              <a:t>09.01.25</a:t>
+              <a:t>16.01.25</a:t>
             </a:fld>
             <a:endParaRPr lang="de-DE"/>
           </a:p>
@@ -2671,7 +3107,7 @@
           <a:p>
             <a:fld id="{A4B984C8-9E0E-9549-8FF5-2766394DB570}" type="datetimeFigureOut">
               <a:rPr lang="de-DE" smtClean="0"/>
-              <a:t>09.01.25</a:t>
+              <a:t>16.01.25</a:t>
             </a:fld>
             <a:endParaRPr lang="de-DE"/>
           </a:p>
@@ -2912,7 +3348,7 @@
           <a:p>
             <a:fld id="{A4B984C8-9E0E-9549-8FF5-2766394DB570}" type="datetimeFigureOut">
               <a:rPr lang="de-DE" smtClean="0"/>
-              <a:t>09.01.25</a:t>
+              <a:t>16.01.25</a:t>
             </a:fld>
             <a:endParaRPr lang="de-DE"/>
           </a:p>
@@ -3334,95 +3770,6 @@
           <p:cNvPr id="2" name="Titel 1">
             <a:extLst>
               <a:ext uri="{FF2B5EF4-FFF2-40B4-BE49-F238E27FC236}">
-                <a16:creationId xmlns:a16="http://schemas.microsoft.com/office/drawing/2014/main" id="{FC963EB6-62B1-3649-A7A7-7F94967D088A}"/>
-              </a:ext>
-            </a:extLst>
-          </p:cNvPr>
-          <p:cNvSpPr>
-            <a:spLocks noGrp="1"/>
-          </p:cNvSpPr>
-          <p:nvPr>
-            <p:ph type="title"/>
-          </p:nvPr>
-        </p:nvSpPr>
-        <p:spPr/>
-        <p:txBody>
-          <a:bodyPr/>
-          <a:lstStyle/>
-          <a:p>
-            <a:r>
-              <a:rPr lang="de-DE" dirty="0"/>
-              <a:t>Grundlegende Annahmen</a:t>
-            </a:r>
-          </a:p>
-        </p:txBody>
-      </p:sp>
-      <p:sp>
-        <p:nvSpPr>
-          <p:cNvPr id="3" name="Inhaltsplatzhalter 2">
-            <a:extLst>
-              <a:ext uri="{FF2B5EF4-FFF2-40B4-BE49-F238E27FC236}">
-                <a16:creationId xmlns:a16="http://schemas.microsoft.com/office/drawing/2014/main" id="{C76BCF63-4141-F887-35AB-CBB2B0234259}"/>
-              </a:ext>
-            </a:extLst>
-          </p:cNvPr>
-          <p:cNvSpPr>
-            <a:spLocks noGrp="1"/>
-          </p:cNvSpPr>
-          <p:nvPr>
-            <p:ph idx="1"/>
-          </p:nvPr>
-        </p:nvSpPr>
-        <p:spPr/>
-        <p:txBody>
-          <a:bodyPr/>
-          <a:lstStyle/>
-          <a:p>
-            <a:r>
-              <a:rPr lang="de-DE" dirty="0"/>
-              <a:t>Erhöhung der Transportzeiten und Reduktion der Bearbeitungszeiten, um die Anzahl der Transporte zu erhöhen und die Auswirkungen der einzelnen Steuerungsverfahren stärker hervorzuheben </a:t>
-            </a:r>
-          </a:p>
-          <a:p>
-            <a:endParaRPr lang="de-DE" dirty="0"/>
-          </a:p>
-        </p:txBody>
-      </p:sp>
-    </p:spTree>
-    <p:extLst>
-      <p:ext uri="{BB962C8B-B14F-4D97-AF65-F5344CB8AC3E}">
-        <p14:creationId xmlns:p14="http://schemas.microsoft.com/office/powerpoint/2010/main" val="2853788171"/>
-      </p:ext>
-    </p:extLst>
-  </p:cSld>
-  <p:clrMapOvr>
-    <a:masterClrMapping/>
-  </p:clrMapOvr>
-</p:sld>
-</file>
-
-<file path=ppt/slides/slide2.xml><?xml version="1.0" encoding="utf-8"?>
-<p:sld xmlns:a="http://schemas.openxmlformats.org/drawingml/2006/main" xmlns:r="http://schemas.openxmlformats.org/officeDocument/2006/relationships" xmlns:p="http://schemas.openxmlformats.org/presentationml/2006/main">
-  <p:cSld>
-    <p:spTree>
-      <p:nvGrpSpPr>
-        <p:cNvPr id="1" name=""/>
-        <p:cNvGrpSpPr/>
-        <p:nvPr/>
-      </p:nvGrpSpPr>
-      <p:grpSpPr>
-        <a:xfrm>
-          <a:off x="0" y="0"/>
-          <a:ext cx="0" cy="0"/>
-          <a:chOff x="0" y="0"/>
-          <a:chExt cx="0" cy="0"/>
-        </a:xfrm>
-      </p:grpSpPr>
-      <p:sp>
-        <p:nvSpPr>
-          <p:cNvPr id="2" name="Titel 1">
-            <a:extLst>
-              <a:ext uri="{FF2B5EF4-FFF2-40B4-BE49-F238E27FC236}">
                 <a16:creationId xmlns:a16="http://schemas.microsoft.com/office/drawing/2014/main" id="{96B2F228-49D1-1C57-C6AA-B0660F765B88}"/>
               </a:ext>
             </a:extLst>
@@ -3534,7 +3881,7 @@
 </p:sld>
 </file>
 
-<file path=ppt/slides/slide3.xml><?xml version="1.0" encoding="utf-8"?>
+<file path=ppt/slides/slide2.xml><?xml version="1.0" encoding="utf-8"?>
 <p:sld xmlns:a="http://schemas.openxmlformats.org/drawingml/2006/main" xmlns:r="http://schemas.openxmlformats.org/officeDocument/2006/relationships" xmlns:p="http://schemas.openxmlformats.org/presentationml/2006/main">
   <p:cSld>
     <p:spTree>
@@ -3634,13 +3981,13 @@
           <a:p>
             <a:r>
               <a:rPr lang="de-DE" dirty="0"/>
-              <a:t>Optimierungsgröße?</a:t>
-            </a:r>
-          </a:p>
-        </p:txBody>
-      </p:sp>
-      <mc:AlternateContent xmlns:mc="http://schemas.openxmlformats.org/markup-compatibility/2006">
-        <mc:Choice xmlns:a14="http://schemas.microsoft.com/office/drawing/2010/main" Requires="a14">
+              <a:t>Optimierungsgröße</a:t>
+            </a:r>
+          </a:p>
+        </p:txBody>
+      </p:sp>
+      <mc:AlternateContent xmlns:mc="http://schemas.openxmlformats.org/markup-compatibility/2006" xmlns:a14="http://schemas.microsoft.com/office/drawing/2010/main">
+        <mc:Choice Requires="a14">
           <p:sp>
             <p:nvSpPr>
               <p:cNvPr id="5" name="Textfeld 4">
@@ -3891,7 +4238,7 @@
             </p:txBody>
           </p:sp>
         </mc:Choice>
-        <mc:Fallback>
+        <mc:Fallback xmlns="">
           <p:sp>
             <p:nvSpPr>
               <p:cNvPr id="5" name="Textfeld 4">
@@ -3990,7 +4337,7 @@
 </p:sld>
 </file>
 
-<file path=ppt/slides/slide4.xml><?xml version="1.0" encoding="utf-8"?>
+<file path=ppt/slides/slide3.xml><?xml version="1.0" encoding="utf-8"?>
 <p:sld xmlns:a="http://schemas.openxmlformats.org/drawingml/2006/main" xmlns:r="http://schemas.openxmlformats.org/officeDocument/2006/relationships" xmlns:p="http://schemas.openxmlformats.org/presentationml/2006/main">
   <p:cSld>
     <p:spTree>
@@ -4378,6 +4725,1661 @@
     <p:extLst>
       <p:ext uri="{BB962C8B-B14F-4D97-AF65-F5344CB8AC3E}">
         <p14:creationId xmlns:p14="http://schemas.microsoft.com/office/powerpoint/2010/main" val="1587092142"/>
+      </p:ext>
+    </p:extLst>
+  </p:cSld>
+  <p:clrMapOvr>
+    <a:masterClrMapping/>
+  </p:clrMapOvr>
+</p:sld>
+</file>
+
+<file path=ppt/slides/slide4.xml><?xml version="1.0" encoding="utf-8"?>
+<p:sld xmlns:a="http://schemas.openxmlformats.org/drawingml/2006/main" xmlns:r="http://schemas.openxmlformats.org/officeDocument/2006/relationships" xmlns:p="http://schemas.openxmlformats.org/presentationml/2006/main">
+  <p:cSld>
+    <p:spTree>
+      <p:nvGrpSpPr>
+        <p:cNvPr id="1" name=""/>
+        <p:cNvGrpSpPr/>
+        <p:nvPr/>
+      </p:nvGrpSpPr>
+      <p:grpSpPr>
+        <a:xfrm>
+          <a:off x="0" y="0"/>
+          <a:ext cx="0" cy="0"/>
+          <a:chOff x="0" y="0"/>
+          <a:chExt cx="0" cy="0"/>
+        </a:xfrm>
+      </p:grpSpPr>
+      <p:sp>
+        <p:nvSpPr>
+          <p:cNvPr id="5" name="Oval 4">
+            <a:extLst>
+              <a:ext uri="{FF2B5EF4-FFF2-40B4-BE49-F238E27FC236}">
+                <a16:creationId xmlns:a16="http://schemas.microsoft.com/office/drawing/2014/main" id="{2FA81C4C-39FA-29F0-E7BA-B8E55F5AC8F8}"/>
+              </a:ext>
+            </a:extLst>
+          </p:cNvPr>
+          <p:cNvSpPr/>
+          <p:nvPr/>
+        </p:nvSpPr>
+        <p:spPr>
+          <a:xfrm>
+            <a:off x="665092" y="2210754"/>
+            <a:ext cx="1080000" cy="1080000"/>
+          </a:xfrm>
+          <a:prstGeom prst="ellipse">
+            <a:avLst/>
+          </a:prstGeom>
+          <a:solidFill>
+            <a:schemeClr val="bg1">
+              <a:lumMod val="95000"/>
+            </a:schemeClr>
+          </a:solidFill>
+          <a:ln w="28575">
+            <a:solidFill>
+              <a:schemeClr val="tx1">
+                <a:lumMod val="95000"/>
+                <a:lumOff val="5000"/>
+              </a:schemeClr>
+            </a:solidFill>
+          </a:ln>
+        </p:spPr>
+        <p:style>
+          <a:lnRef idx="2">
+            <a:schemeClr val="accent1">
+              <a:shade val="15000"/>
+            </a:schemeClr>
+          </a:lnRef>
+          <a:fillRef idx="1">
+            <a:schemeClr val="accent1"/>
+          </a:fillRef>
+          <a:effectRef idx="0">
+            <a:schemeClr val="accent1"/>
+          </a:effectRef>
+          <a:fontRef idx="minor">
+            <a:schemeClr val="lt1"/>
+          </a:fontRef>
+        </p:style>
+        <p:txBody>
+          <a:bodyPr rtlCol="0" anchor="ctr"/>
+          <a:lstStyle/>
+          <a:p>
+            <a:pPr algn="ctr"/>
+            <a:r>
+              <a:rPr lang="de-DE" b="1" dirty="0">
+                <a:solidFill>
+                  <a:schemeClr val="tx1"/>
+                </a:solidFill>
+              </a:rPr>
+              <a:t>RTL</a:t>
+            </a:r>
+          </a:p>
+          <a:p>
+            <a:pPr algn="ctr"/>
+            <a:r>
+              <a:rPr lang="de-DE" b="1" dirty="0">
+                <a:solidFill>
+                  <a:schemeClr val="tx1"/>
+                </a:solidFill>
+              </a:rPr>
+              <a:t>A</a:t>
+            </a:r>
+          </a:p>
+        </p:txBody>
+      </p:sp>
+      <p:sp>
+        <p:nvSpPr>
+          <p:cNvPr id="6" name="Oval 5">
+            <a:extLst>
+              <a:ext uri="{FF2B5EF4-FFF2-40B4-BE49-F238E27FC236}">
+                <a16:creationId xmlns:a16="http://schemas.microsoft.com/office/drawing/2014/main" id="{0F0C1676-8070-5633-D5CB-0353736FB917}"/>
+              </a:ext>
+            </a:extLst>
+          </p:cNvPr>
+          <p:cNvSpPr/>
+          <p:nvPr/>
+        </p:nvSpPr>
+        <p:spPr>
+          <a:xfrm>
+            <a:off x="2971221" y="338822"/>
+            <a:ext cx="1080000" cy="1080000"/>
+          </a:xfrm>
+          <a:prstGeom prst="ellipse">
+            <a:avLst/>
+          </a:prstGeom>
+          <a:solidFill>
+            <a:schemeClr val="bg1">
+              <a:lumMod val="95000"/>
+            </a:schemeClr>
+          </a:solidFill>
+          <a:ln w="28575">
+            <a:solidFill>
+              <a:schemeClr val="tx1">
+                <a:lumMod val="95000"/>
+                <a:lumOff val="5000"/>
+              </a:schemeClr>
+            </a:solidFill>
+          </a:ln>
+        </p:spPr>
+        <p:style>
+          <a:lnRef idx="2">
+            <a:schemeClr val="accent1">
+              <a:shade val="15000"/>
+            </a:schemeClr>
+          </a:lnRef>
+          <a:fillRef idx="1">
+            <a:schemeClr val="accent1"/>
+          </a:fillRef>
+          <a:effectRef idx="0">
+            <a:schemeClr val="accent1"/>
+          </a:effectRef>
+          <a:fontRef idx="minor">
+            <a:schemeClr val="lt1"/>
+          </a:fontRef>
+        </p:style>
+        <p:txBody>
+          <a:bodyPr rtlCol="0" anchor="ctr"/>
+          <a:lstStyle/>
+          <a:p>
+            <a:pPr algn="ctr"/>
+            <a:r>
+              <a:rPr lang="de-DE" b="1" dirty="0">
+                <a:solidFill>
+                  <a:schemeClr val="tx1"/>
+                </a:solidFill>
+              </a:rPr>
+              <a:t>DRH</a:t>
+            </a:r>
+          </a:p>
+          <a:p>
+            <a:pPr algn="ctr"/>
+            <a:r>
+              <a:rPr lang="de-DE" b="1" dirty="0">
+                <a:solidFill>
+                  <a:schemeClr val="tx1"/>
+                </a:solidFill>
+              </a:rPr>
+              <a:t>C</a:t>
+            </a:r>
+          </a:p>
+        </p:txBody>
+      </p:sp>
+      <p:sp>
+        <p:nvSpPr>
+          <p:cNvPr id="7" name="Oval 6">
+            <a:extLst>
+              <a:ext uri="{FF2B5EF4-FFF2-40B4-BE49-F238E27FC236}">
+                <a16:creationId xmlns:a16="http://schemas.microsoft.com/office/drawing/2014/main" id="{65F80A7C-BFF1-A07D-7D13-F5C44DC4DC3F}"/>
+              </a:ext>
+            </a:extLst>
+          </p:cNvPr>
+          <p:cNvSpPr/>
+          <p:nvPr/>
+        </p:nvSpPr>
+        <p:spPr>
+          <a:xfrm>
+            <a:off x="2971221" y="2210754"/>
+            <a:ext cx="1080000" cy="1080000"/>
+          </a:xfrm>
+          <a:prstGeom prst="ellipse">
+            <a:avLst/>
+          </a:prstGeom>
+          <a:solidFill>
+            <a:schemeClr val="bg1">
+              <a:lumMod val="95000"/>
+            </a:schemeClr>
+          </a:solidFill>
+          <a:ln w="28575">
+            <a:solidFill>
+              <a:schemeClr val="tx1">
+                <a:lumMod val="95000"/>
+                <a:lumOff val="5000"/>
+              </a:schemeClr>
+            </a:solidFill>
+          </a:ln>
+        </p:spPr>
+        <p:style>
+          <a:lnRef idx="2">
+            <a:schemeClr val="accent1">
+              <a:shade val="15000"/>
+            </a:schemeClr>
+          </a:lnRef>
+          <a:fillRef idx="1">
+            <a:schemeClr val="accent1"/>
+          </a:fillRef>
+          <a:effectRef idx="0">
+            <a:schemeClr val="accent1"/>
+          </a:effectRef>
+          <a:fontRef idx="minor">
+            <a:schemeClr val="lt1"/>
+          </a:fontRef>
+        </p:style>
+        <p:txBody>
+          <a:bodyPr rtlCol="0" anchor="ctr"/>
+          <a:lstStyle/>
+          <a:p>
+            <a:pPr algn="ctr"/>
+            <a:r>
+              <a:rPr lang="de-DE" b="1" dirty="0">
+                <a:solidFill>
+                  <a:schemeClr val="tx1"/>
+                </a:solidFill>
+              </a:rPr>
+              <a:t>SAE</a:t>
+            </a:r>
+          </a:p>
+          <a:p>
+            <a:pPr algn="ctr"/>
+            <a:r>
+              <a:rPr lang="de-DE" b="1" dirty="0">
+                <a:solidFill>
+                  <a:schemeClr val="tx1"/>
+                </a:solidFill>
+              </a:rPr>
+              <a:t>B</a:t>
+            </a:r>
+          </a:p>
+        </p:txBody>
+      </p:sp>
+      <p:sp>
+        <p:nvSpPr>
+          <p:cNvPr id="8" name="Oval 7">
+            <a:extLst>
+              <a:ext uri="{FF2B5EF4-FFF2-40B4-BE49-F238E27FC236}">
+                <a16:creationId xmlns:a16="http://schemas.microsoft.com/office/drawing/2014/main" id="{B1E0F94C-ABE3-591A-45D9-9E72618A7CDF}"/>
+              </a:ext>
+            </a:extLst>
+          </p:cNvPr>
+          <p:cNvSpPr/>
+          <p:nvPr/>
+        </p:nvSpPr>
+        <p:spPr>
+          <a:xfrm>
+            <a:off x="2971221" y="4082686"/>
+            <a:ext cx="1080000" cy="1080000"/>
+          </a:xfrm>
+          <a:prstGeom prst="ellipse">
+            <a:avLst/>
+          </a:prstGeom>
+          <a:solidFill>
+            <a:schemeClr val="bg1">
+              <a:lumMod val="95000"/>
+            </a:schemeClr>
+          </a:solidFill>
+          <a:ln w="28575">
+            <a:solidFill>
+              <a:schemeClr val="tx1">
+                <a:lumMod val="95000"/>
+                <a:lumOff val="5000"/>
+              </a:schemeClr>
+            </a:solidFill>
+          </a:ln>
+        </p:spPr>
+        <p:style>
+          <a:lnRef idx="2">
+            <a:schemeClr val="accent1">
+              <a:shade val="15000"/>
+            </a:schemeClr>
+          </a:lnRef>
+          <a:fillRef idx="1">
+            <a:schemeClr val="accent1"/>
+          </a:fillRef>
+          <a:effectRef idx="0">
+            <a:schemeClr val="accent1"/>
+          </a:effectRef>
+          <a:fontRef idx="minor">
+            <a:schemeClr val="lt1"/>
+          </a:fontRef>
+        </p:style>
+        <p:txBody>
+          <a:bodyPr rtlCol="0" anchor="ctr"/>
+          <a:lstStyle/>
+          <a:p>
+            <a:pPr algn="ctr"/>
+            <a:r>
+              <a:rPr lang="de-DE" b="1" dirty="0">
+                <a:solidFill>
+                  <a:schemeClr val="tx1"/>
+                </a:solidFill>
+              </a:rPr>
+              <a:t>FRA</a:t>
+            </a:r>
+          </a:p>
+          <a:p>
+            <a:pPr algn="ctr"/>
+            <a:r>
+              <a:rPr lang="de-DE" b="1" dirty="0">
+                <a:solidFill>
+                  <a:schemeClr val="tx1"/>
+                </a:solidFill>
+              </a:rPr>
+              <a:t>D</a:t>
+            </a:r>
+          </a:p>
+        </p:txBody>
+      </p:sp>
+      <p:sp>
+        <p:nvSpPr>
+          <p:cNvPr id="9" name="Oval 8">
+            <a:extLst>
+              <a:ext uri="{FF2B5EF4-FFF2-40B4-BE49-F238E27FC236}">
+                <a16:creationId xmlns:a16="http://schemas.microsoft.com/office/drawing/2014/main" id="{CA657793-8137-FB8C-0C4B-B748FE14314E}"/>
+              </a:ext>
+            </a:extLst>
+          </p:cNvPr>
+          <p:cNvSpPr/>
+          <p:nvPr/>
+        </p:nvSpPr>
+        <p:spPr>
+          <a:xfrm>
+            <a:off x="5277350" y="338822"/>
+            <a:ext cx="1080000" cy="1080000"/>
+          </a:xfrm>
+          <a:prstGeom prst="ellipse">
+            <a:avLst/>
+          </a:prstGeom>
+          <a:solidFill>
+            <a:schemeClr val="bg1">
+              <a:lumMod val="95000"/>
+            </a:schemeClr>
+          </a:solidFill>
+          <a:ln w="28575">
+            <a:solidFill>
+              <a:schemeClr val="tx1">
+                <a:lumMod val="95000"/>
+                <a:lumOff val="5000"/>
+              </a:schemeClr>
+            </a:solidFill>
+          </a:ln>
+        </p:spPr>
+        <p:style>
+          <a:lnRef idx="2">
+            <a:schemeClr val="accent1">
+              <a:shade val="15000"/>
+            </a:schemeClr>
+          </a:lnRef>
+          <a:fillRef idx="1">
+            <a:schemeClr val="accent1"/>
+          </a:fillRef>
+          <a:effectRef idx="0">
+            <a:schemeClr val="accent1"/>
+          </a:effectRef>
+          <a:fontRef idx="minor">
+            <a:schemeClr val="lt1"/>
+          </a:fontRef>
+        </p:style>
+        <p:txBody>
+          <a:bodyPr rtlCol="0" anchor="ctr"/>
+          <a:lstStyle/>
+          <a:p>
+            <a:pPr algn="ctr"/>
+            <a:r>
+              <a:rPr lang="de-DE" b="1" dirty="0">
+                <a:solidFill>
+                  <a:schemeClr val="tx1"/>
+                </a:solidFill>
+              </a:rPr>
+              <a:t>FFZ</a:t>
+            </a:r>
+          </a:p>
+          <a:p>
+            <a:pPr algn="ctr"/>
+            <a:r>
+              <a:rPr lang="de-DE" b="1" dirty="0">
+                <a:solidFill>
+                  <a:schemeClr val="tx1"/>
+                </a:solidFill>
+              </a:rPr>
+              <a:t>G</a:t>
+            </a:r>
+          </a:p>
+        </p:txBody>
+      </p:sp>
+      <p:sp>
+        <p:nvSpPr>
+          <p:cNvPr id="10" name="Oval 9">
+            <a:extLst>
+              <a:ext uri="{FF2B5EF4-FFF2-40B4-BE49-F238E27FC236}">
+                <a16:creationId xmlns:a16="http://schemas.microsoft.com/office/drawing/2014/main" id="{E6A31985-7934-2127-6D97-2EEA051EE1E3}"/>
+              </a:ext>
+            </a:extLst>
+          </p:cNvPr>
+          <p:cNvSpPr/>
+          <p:nvPr/>
+        </p:nvSpPr>
+        <p:spPr>
+          <a:xfrm>
+            <a:off x="5277350" y="2210754"/>
+            <a:ext cx="1080000" cy="1080000"/>
+          </a:xfrm>
+          <a:prstGeom prst="ellipse">
+            <a:avLst/>
+          </a:prstGeom>
+          <a:solidFill>
+            <a:schemeClr val="bg1">
+              <a:lumMod val="95000"/>
+            </a:schemeClr>
+          </a:solidFill>
+          <a:ln w="28575">
+            <a:solidFill>
+              <a:schemeClr val="tx1">
+                <a:lumMod val="95000"/>
+                <a:lumOff val="5000"/>
+              </a:schemeClr>
+            </a:solidFill>
+          </a:ln>
+        </p:spPr>
+        <p:style>
+          <a:lnRef idx="2">
+            <a:schemeClr val="accent1">
+              <a:shade val="15000"/>
+            </a:schemeClr>
+          </a:lnRef>
+          <a:fillRef idx="1">
+            <a:schemeClr val="accent1"/>
+          </a:fillRef>
+          <a:effectRef idx="0">
+            <a:schemeClr val="accent1"/>
+          </a:effectRef>
+          <a:fontRef idx="minor">
+            <a:schemeClr val="lt1"/>
+          </a:fontRef>
+        </p:style>
+        <p:txBody>
+          <a:bodyPr rtlCol="0" anchor="ctr"/>
+          <a:lstStyle/>
+          <a:p>
+            <a:pPr algn="ctr"/>
+            <a:r>
+              <a:rPr lang="de-DE" b="1" dirty="0">
+                <a:solidFill>
+                  <a:schemeClr val="tx1"/>
+                </a:solidFill>
+              </a:rPr>
+              <a:t>QPR</a:t>
+            </a:r>
+          </a:p>
+          <a:p>
+            <a:pPr algn="ctr"/>
+            <a:r>
+              <a:rPr lang="de-DE" b="1" dirty="0">
+                <a:solidFill>
+                  <a:schemeClr val="tx1"/>
+                </a:solidFill>
+              </a:rPr>
+              <a:t>E</a:t>
+            </a:r>
+          </a:p>
+        </p:txBody>
+      </p:sp>
+      <p:sp>
+        <p:nvSpPr>
+          <p:cNvPr id="11" name="Oval 10">
+            <a:extLst>
+              <a:ext uri="{FF2B5EF4-FFF2-40B4-BE49-F238E27FC236}">
+                <a16:creationId xmlns:a16="http://schemas.microsoft.com/office/drawing/2014/main" id="{A330AEAB-4895-CE5E-789D-147ABA6A76D3}"/>
+              </a:ext>
+            </a:extLst>
+          </p:cNvPr>
+          <p:cNvSpPr/>
+          <p:nvPr/>
+        </p:nvSpPr>
+        <p:spPr>
+          <a:xfrm>
+            <a:off x="7583479" y="2210754"/>
+            <a:ext cx="1080000" cy="1080000"/>
+          </a:xfrm>
+          <a:prstGeom prst="ellipse">
+            <a:avLst/>
+          </a:prstGeom>
+          <a:solidFill>
+            <a:schemeClr val="bg1">
+              <a:lumMod val="95000"/>
+            </a:schemeClr>
+          </a:solidFill>
+          <a:ln w="28575">
+            <a:solidFill>
+              <a:schemeClr val="tx1">
+                <a:lumMod val="95000"/>
+                <a:lumOff val="5000"/>
+              </a:schemeClr>
+            </a:solidFill>
+          </a:ln>
+        </p:spPr>
+        <p:style>
+          <a:lnRef idx="2">
+            <a:schemeClr val="accent1">
+              <a:shade val="15000"/>
+            </a:schemeClr>
+          </a:lnRef>
+          <a:fillRef idx="1">
+            <a:schemeClr val="accent1"/>
+          </a:fillRef>
+          <a:effectRef idx="0">
+            <a:schemeClr val="accent1"/>
+          </a:effectRef>
+          <a:fontRef idx="minor">
+            <a:schemeClr val="lt1"/>
+          </a:fontRef>
+        </p:style>
+        <p:txBody>
+          <a:bodyPr rtlCol="0" anchor="ctr"/>
+          <a:lstStyle/>
+          <a:p>
+            <a:pPr algn="ctr"/>
+            <a:r>
+              <a:rPr lang="de-DE" b="1" dirty="0">
+                <a:solidFill>
+                  <a:schemeClr val="tx1"/>
+                </a:solidFill>
+              </a:rPr>
+              <a:t>FTL</a:t>
+            </a:r>
+          </a:p>
+          <a:p>
+            <a:pPr algn="ctr"/>
+            <a:r>
+              <a:rPr lang="de-DE" b="1" dirty="0">
+                <a:solidFill>
+                  <a:schemeClr val="tx1"/>
+                </a:solidFill>
+              </a:rPr>
+              <a:t>F</a:t>
+            </a:r>
+          </a:p>
+        </p:txBody>
+      </p:sp>
+      <p:sp>
+        <p:nvSpPr>
+          <p:cNvPr id="12" name="Oval 11">
+            <a:extLst>
+              <a:ext uri="{FF2B5EF4-FFF2-40B4-BE49-F238E27FC236}">
+                <a16:creationId xmlns:a16="http://schemas.microsoft.com/office/drawing/2014/main" id="{0DA4B787-305D-5026-859D-6A0A45370EDD}"/>
+              </a:ext>
+            </a:extLst>
+          </p:cNvPr>
+          <p:cNvSpPr/>
+          <p:nvPr/>
+        </p:nvSpPr>
+        <p:spPr>
+          <a:xfrm>
+            <a:off x="7583479" y="338822"/>
+            <a:ext cx="1080000" cy="1080000"/>
+          </a:xfrm>
+          <a:prstGeom prst="ellipse">
+            <a:avLst/>
+          </a:prstGeom>
+          <a:solidFill>
+            <a:schemeClr val="bg1">
+              <a:lumMod val="95000"/>
+            </a:schemeClr>
+          </a:solidFill>
+          <a:ln w="28575">
+            <a:solidFill>
+              <a:schemeClr val="tx1">
+                <a:lumMod val="95000"/>
+                <a:lumOff val="5000"/>
+              </a:schemeClr>
+            </a:solidFill>
+          </a:ln>
+        </p:spPr>
+        <p:style>
+          <a:lnRef idx="2">
+            <a:schemeClr val="accent1">
+              <a:shade val="15000"/>
+            </a:schemeClr>
+          </a:lnRef>
+          <a:fillRef idx="1">
+            <a:schemeClr val="accent1"/>
+          </a:fillRef>
+          <a:effectRef idx="0">
+            <a:schemeClr val="accent1"/>
+          </a:effectRef>
+          <a:fontRef idx="minor">
+            <a:schemeClr val="lt1"/>
+          </a:fontRef>
+        </p:style>
+        <p:txBody>
+          <a:bodyPr rtlCol="0" anchor="ctr"/>
+          <a:lstStyle/>
+          <a:p>
+            <a:pPr algn="ctr"/>
+            <a:r>
+              <a:rPr lang="de-DE" b="1" dirty="0">
+                <a:solidFill>
+                  <a:schemeClr val="tx1"/>
+                </a:solidFill>
+              </a:rPr>
+              <a:t>HAE</a:t>
+            </a:r>
+          </a:p>
+          <a:p>
+            <a:pPr algn="ctr"/>
+            <a:r>
+              <a:rPr lang="de-DE" b="1" dirty="0">
+                <a:solidFill>
+                  <a:schemeClr val="tx1"/>
+                </a:solidFill>
+              </a:rPr>
+              <a:t>H</a:t>
+            </a:r>
+          </a:p>
+        </p:txBody>
+      </p:sp>
+      <p:cxnSp>
+        <p:nvCxnSpPr>
+          <p:cNvPr id="14" name="Gerade Verbindung 13">
+            <a:extLst>
+              <a:ext uri="{FF2B5EF4-FFF2-40B4-BE49-F238E27FC236}">
+                <a16:creationId xmlns:a16="http://schemas.microsoft.com/office/drawing/2014/main" id="{EE9D517B-67E7-6F43-E0E0-795BC693C726}"/>
+              </a:ext>
+            </a:extLst>
+          </p:cNvPr>
+          <p:cNvCxnSpPr>
+            <a:cxnSpLocks/>
+            <a:stCxn id="5" idx="7"/>
+            <a:endCxn id="6" idx="3"/>
+          </p:cNvCxnSpPr>
+          <p:nvPr/>
+        </p:nvCxnSpPr>
+        <p:spPr>
+          <a:xfrm flipV="1">
+            <a:off x="1586930" y="1260660"/>
+            <a:ext cx="1542453" cy="1108256"/>
+          </a:xfrm>
+          <a:prstGeom prst="line">
+            <a:avLst/>
+          </a:prstGeom>
+          <a:ln w="28575">
+            <a:solidFill>
+              <a:schemeClr val="tx1">
+                <a:lumMod val="95000"/>
+                <a:lumOff val="5000"/>
+              </a:schemeClr>
+            </a:solidFill>
+          </a:ln>
+        </p:spPr>
+        <p:style>
+          <a:lnRef idx="2">
+            <a:schemeClr val="accent1"/>
+          </a:lnRef>
+          <a:fillRef idx="0">
+            <a:schemeClr val="accent1"/>
+          </a:fillRef>
+          <a:effectRef idx="1">
+            <a:schemeClr val="accent1"/>
+          </a:effectRef>
+          <a:fontRef idx="minor">
+            <a:schemeClr val="tx1"/>
+          </a:fontRef>
+        </p:style>
+      </p:cxnSp>
+      <p:cxnSp>
+        <p:nvCxnSpPr>
+          <p:cNvPr id="16" name="Gerade Verbindung 15">
+            <a:extLst>
+              <a:ext uri="{FF2B5EF4-FFF2-40B4-BE49-F238E27FC236}">
+                <a16:creationId xmlns:a16="http://schemas.microsoft.com/office/drawing/2014/main" id="{F8D5B92D-8883-77AE-97AA-432287AB7F89}"/>
+              </a:ext>
+            </a:extLst>
+          </p:cNvPr>
+          <p:cNvCxnSpPr>
+            <a:cxnSpLocks/>
+            <a:stCxn id="5" idx="6"/>
+            <a:endCxn id="7" idx="2"/>
+          </p:cNvCxnSpPr>
+          <p:nvPr/>
+        </p:nvCxnSpPr>
+        <p:spPr>
+          <a:xfrm>
+            <a:off x="1745092" y="2750754"/>
+            <a:ext cx="1226129" cy="0"/>
+          </a:xfrm>
+          <a:prstGeom prst="line">
+            <a:avLst/>
+          </a:prstGeom>
+          <a:ln w="28575">
+            <a:solidFill>
+              <a:schemeClr val="tx1">
+                <a:lumMod val="95000"/>
+                <a:lumOff val="5000"/>
+              </a:schemeClr>
+            </a:solidFill>
+          </a:ln>
+        </p:spPr>
+        <p:style>
+          <a:lnRef idx="2">
+            <a:schemeClr val="accent1"/>
+          </a:lnRef>
+          <a:fillRef idx="0">
+            <a:schemeClr val="accent1"/>
+          </a:fillRef>
+          <a:effectRef idx="1">
+            <a:schemeClr val="accent1"/>
+          </a:effectRef>
+          <a:fontRef idx="minor">
+            <a:schemeClr val="tx1"/>
+          </a:fontRef>
+        </p:style>
+      </p:cxnSp>
+      <p:cxnSp>
+        <p:nvCxnSpPr>
+          <p:cNvPr id="19" name="Gerade Verbindung 18">
+            <a:extLst>
+              <a:ext uri="{FF2B5EF4-FFF2-40B4-BE49-F238E27FC236}">
+                <a16:creationId xmlns:a16="http://schemas.microsoft.com/office/drawing/2014/main" id="{4C760BCF-E474-EF4C-3370-05A61FA68C59}"/>
+              </a:ext>
+            </a:extLst>
+          </p:cNvPr>
+          <p:cNvCxnSpPr>
+            <a:cxnSpLocks/>
+            <a:stCxn id="6" idx="4"/>
+            <a:endCxn id="7" idx="0"/>
+          </p:cNvCxnSpPr>
+          <p:nvPr/>
+        </p:nvCxnSpPr>
+        <p:spPr>
+          <a:xfrm>
+            <a:off x="3511221" y="1418822"/>
+            <a:ext cx="0" cy="791932"/>
+          </a:xfrm>
+          <a:prstGeom prst="line">
+            <a:avLst/>
+          </a:prstGeom>
+          <a:ln w="28575">
+            <a:solidFill>
+              <a:schemeClr val="tx1">
+                <a:lumMod val="95000"/>
+                <a:lumOff val="5000"/>
+              </a:schemeClr>
+            </a:solidFill>
+          </a:ln>
+        </p:spPr>
+        <p:style>
+          <a:lnRef idx="2">
+            <a:schemeClr val="accent1"/>
+          </a:lnRef>
+          <a:fillRef idx="0">
+            <a:schemeClr val="accent1"/>
+          </a:fillRef>
+          <a:effectRef idx="1">
+            <a:schemeClr val="accent1"/>
+          </a:effectRef>
+          <a:fontRef idx="minor">
+            <a:schemeClr val="tx1"/>
+          </a:fontRef>
+        </p:style>
+      </p:cxnSp>
+      <p:cxnSp>
+        <p:nvCxnSpPr>
+          <p:cNvPr id="22" name="Gerade Verbindung 21">
+            <a:extLst>
+              <a:ext uri="{FF2B5EF4-FFF2-40B4-BE49-F238E27FC236}">
+                <a16:creationId xmlns:a16="http://schemas.microsoft.com/office/drawing/2014/main" id="{0DF44CF2-9EA8-8F94-2007-11462894AFF6}"/>
+              </a:ext>
+            </a:extLst>
+          </p:cNvPr>
+          <p:cNvCxnSpPr>
+            <a:cxnSpLocks/>
+            <a:stCxn id="9" idx="2"/>
+            <a:endCxn id="6" idx="6"/>
+          </p:cNvCxnSpPr>
+          <p:nvPr/>
+        </p:nvCxnSpPr>
+        <p:spPr>
+          <a:xfrm flipH="1">
+            <a:off x="4051221" y="878822"/>
+            <a:ext cx="1226129" cy="0"/>
+          </a:xfrm>
+          <a:prstGeom prst="line">
+            <a:avLst/>
+          </a:prstGeom>
+          <a:ln w="28575">
+            <a:solidFill>
+              <a:schemeClr val="tx1">
+                <a:lumMod val="95000"/>
+                <a:lumOff val="5000"/>
+              </a:schemeClr>
+            </a:solidFill>
+          </a:ln>
+        </p:spPr>
+        <p:style>
+          <a:lnRef idx="2">
+            <a:schemeClr val="accent1"/>
+          </a:lnRef>
+          <a:fillRef idx="0">
+            <a:schemeClr val="accent1"/>
+          </a:fillRef>
+          <a:effectRef idx="1">
+            <a:schemeClr val="accent1"/>
+          </a:effectRef>
+          <a:fontRef idx="minor">
+            <a:schemeClr val="tx1"/>
+          </a:fontRef>
+        </p:style>
+      </p:cxnSp>
+      <p:cxnSp>
+        <p:nvCxnSpPr>
+          <p:cNvPr id="25" name="Gerade Verbindung 24">
+            <a:extLst>
+              <a:ext uri="{FF2B5EF4-FFF2-40B4-BE49-F238E27FC236}">
+                <a16:creationId xmlns:a16="http://schemas.microsoft.com/office/drawing/2014/main" id="{CD85B600-8A18-E136-626C-6BCA3B31FC8D}"/>
+              </a:ext>
+            </a:extLst>
+          </p:cNvPr>
+          <p:cNvCxnSpPr>
+            <a:cxnSpLocks/>
+            <a:stCxn id="10" idx="0"/>
+            <a:endCxn id="9" idx="4"/>
+          </p:cNvCxnSpPr>
+          <p:nvPr/>
+        </p:nvCxnSpPr>
+        <p:spPr>
+          <a:xfrm flipV="1">
+            <a:off x="5817350" y="1418822"/>
+            <a:ext cx="0" cy="791932"/>
+          </a:xfrm>
+          <a:prstGeom prst="line">
+            <a:avLst/>
+          </a:prstGeom>
+          <a:ln w="28575">
+            <a:solidFill>
+              <a:schemeClr val="tx1">
+                <a:lumMod val="95000"/>
+                <a:lumOff val="5000"/>
+              </a:schemeClr>
+            </a:solidFill>
+          </a:ln>
+        </p:spPr>
+        <p:style>
+          <a:lnRef idx="2">
+            <a:schemeClr val="accent1"/>
+          </a:lnRef>
+          <a:fillRef idx="0">
+            <a:schemeClr val="accent1"/>
+          </a:fillRef>
+          <a:effectRef idx="1">
+            <a:schemeClr val="accent1"/>
+          </a:effectRef>
+          <a:fontRef idx="minor">
+            <a:schemeClr val="tx1"/>
+          </a:fontRef>
+        </p:style>
+      </p:cxnSp>
+      <p:cxnSp>
+        <p:nvCxnSpPr>
+          <p:cNvPr id="28" name="Gerade Verbindung 27">
+            <a:extLst>
+              <a:ext uri="{FF2B5EF4-FFF2-40B4-BE49-F238E27FC236}">
+                <a16:creationId xmlns:a16="http://schemas.microsoft.com/office/drawing/2014/main" id="{02A1C2A3-3768-42C7-C001-EEFCF5A1703C}"/>
+              </a:ext>
+            </a:extLst>
+          </p:cNvPr>
+          <p:cNvCxnSpPr>
+            <a:cxnSpLocks/>
+            <a:stCxn id="10" idx="7"/>
+            <a:endCxn id="12" idx="3"/>
+          </p:cNvCxnSpPr>
+          <p:nvPr/>
+        </p:nvCxnSpPr>
+        <p:spPr>
+          <a:xfrm flipV="1">
+            <a:off x="6199188" y="1260660"/>
+            <a:ext cx="1542453" cy="1108256"/>
+          </a:xfrm>
+          <a:prstGeom prst="line">
+            <a:avLst/>
+          </a:prstGeom>
+          <a:ln w="28575">
+            <a:solidFill>
+              <a:schemeClr val="tx1">
+                <a:lumMod val="95000"/>
+                <a:lumOff val="5000"/>
+              </a:schemeClr>
+            </a:solidFill>
+          </a:ln>
+        </p:spPr>
+        <p:style>
+          <a:lnRef idx="2">
+            <a:schemeClr val="accent1"/>
+          </a:lnRef>
+          <a:fillRef idx="0">
+            <a:schemeClr val="accent1"/>
+          </a:fillRef>
+          <a:effectRef idx="1">
+            <a:schemeClr val="accent1"/>
+          </a:effectRef>
+          <a:fontRef idx="minor">
+            <a:schemeClr val="tx1"/>
+          </a:fontRef>
+        </p:style>
+      </p:cxnSp>
+      <p:cxnSp>
+        <p:nvCxnSpPr>
+          <p:cNvPr id="31" name="Gerade Verbindung 30">
+            <a:extLst>
+              <a:ext uri="{FF2B5EF4-FFF2-40B4-BE49-F238E27FC236}">
+                <a16:creationId xmlns:a16="http://schemas.microsoft.com/office/drawing/2014/main" id="{A68AAA03-D54D-2611-7E04-CA90F01B28C2}"/>
+              </a:ext>
+            </a:extLst>
+          </p:cNvPr>
+          <p:cNvCxnSpPr>
+            <a:cxnSpLocks/>
+            <a:stCxn id="9" idx="6"/>
+            <a:endCxn id="12" idx="2"/>
+          </p:cNvCxnSpPr>
+          <p:nvPr/>
+        </p:nvCxnSpPr>
+        <p:spPr>
+          <a:xfrm>
+            <a:off x="6357350" y="878822"/>
+            <a:ext cx="1226129" cy="0"/>
+          </a:xfrm>
+          <a:prstGeom prst="line">
+            <a:avLst/>
+          </a:prstGeom>
+          <a:ln w="28575">
+            <a:solidFill>
+              <a:schemeClr val="tx1">
+                <a:lumMod val="95000"/>
+                <a:lumOff val="5000"/>
+              </a:schemeClr>
+            </a:solidFill>
+          </a:ln>
+        </p:spPr>
+        <p:style>
+          <a:lnRef idx="2">
+            <a:schemeClr val="accent1"/>
+          </a:lnRef>
+          <a:fillRef idx="0">
+            <a:schemeClr val="accent1"/>
+          </a:fillRef>
+          <a:effectRef idx="1">
+            <a:schemeClr val="accent1"/>
+          </a:effectRef>
+          <a:fontRef idx="minor">
+            <a:schemeClr val="tx1"/>
+          </a:fontRef>
+        </p:style>
+      </p:cxnSp>
+      <p:cxnSp>
+        <p:nvCxnSpPr>
+          <p:cNvPr id="34" name="Gerade Verbindung 33">
+            <a:extLst>
+              <a:ext uri="{FF2B5EF4-FFF2-40B4-BE49-F238E27FC236}">
+                <a16:creationId xmlns:a16="http://schemas.microsoft.com/office/drawing/2014/main" id="{5D0FBE64-EC22-77C8-C5D6-9574DE1DA25A}"/>
+              </a:ext>
+            </a:extLst>
+          </p:cNvPr>
+          <p:cNvCxnSpPr>
+            <a:cxnSpLocks/>
+            <a:stCxn id="10" idx="6"/>
+            <a:endCxn id="11" idx="2"/>
+          </p:cNvCxnSpPr>
+          <p:nvPr/>
+        </p:nvCxnSpPr>
+        <p:spPr>
+          <a:xfrm>
+            <a:off x="6357350" y="2750754"/>
+            <a:ext cx="1226129" cy="0"/>
+          </a:xfrm>
+          <a:prstGeom prst="line">
+            <a:avLst/>
+          </a:prstGeom>
+          <a:ln w="28575">
+            <a:solidFill>
+              <a:schemeClr val="tx1">
+                <a:lumMod val="95000"/>
+                <a:lumOff val="5000"/>
+              </a:schemeClr>
+            </a:solidFill>
+          </a:ln>
+        </p:spPr>
+        <p:style>
+          <a:lnRef idx="2">
+            <a:schemeClr val="accent1"/>
+          </a:lnRef>
+          <a:fillRef idx="0">
+            <a:schemeClr val="accent1"/>
+          </a:fillRef>
+          <a:effectRef idx="1">
+            <a:schemeClr val="accent1"/>
+          </a:effectRef>
+          <a:fontRef idx="minor">
+            <a:schemeClr val="tx1"/>
+          </a:fontRef>
+        </p:style>
+      </p:cxnSp>
+      <p:cxnSp>
+        <p:nvCxnSpPr>
+          <p:cNvPr id="38" name="Gerade Verbindung 37">
+            <a:extLst>
+              <a:ext uri="{FF2B5EF4-FFF2-40B4-BE49-F238E27FC236}">
+                <a16:creationId xmlns:a16="http://schemas.microsoft.com/office/drawing/2014/main" id="{52D2EE29-AD34-7F54-C3AA-CF2321D81C95}"/>
+              </a:ext>
+            </a:extLst>
+          </p:cNvPr>
+          <p:cNvCxnSpPr>
+            <a:cxnSpLocks/>
+            <a:stCxn id="8" idx="7"/>
+            <a:endCxn id="10" idx="3"/>
+          </p:cNvCxnSpPr>
+          <p:nvPr/>
+        </p:nvCxnSpPr>
+        <p:spPr>
+          <a:xfrm flipV="1">
+            <a:off x="3893059" y="3132592"/>
+            <a:ext cx="1542453" cy="1108256"/>
+          </a:xfrm>
+          <a:prstGeom prst="line">
+            <a:avLst/>
+          </a:prstGeom>
+          <a:ln w="28575">
+            <a:solidFill>
+              <a:schemeClr val="tx1">
+                <a:lumMod val="95000"/>
+                <a:lumOff val="5000"/>
+              </a:schemeClr>
+            </a:solidFill>
+          </a:ln>
+        </p:spPr>
+        <p:style>
+          <a:lnRef idx="2">
+            <a:schemeClr val="accent1"/>
+          </a:lnRef>
+          <a:fillRef idx="0">
+            <a:schemeClr val="accent1"/>
+          </a:fillRef>
+          <a:effectRef idx="1">
+            <a:schemeClr val="accent1"/>
+          </a:effectRef>
+          <a:fontRef idx="minor">
+            <a:schemeClr val="tx1"/>
+          </a:fontRef>
+        </p:style>
+      </p:cxnSp>
+      <p:cxnSp>
+        <p:nvCxnSpPr>
+          <p:cNvPr id="41" name="Gerade Verbindung 40">
+            <a:extLst>
+              <a:ext uri="{FF2B5EF4-FFF2-40B4-BE49-F238E27FC236}">
+                <a16:creationId xmlns:a16="http://schemas.microsoft.com/office/drawing/2014/main" id="{31566460-DF74-34FE-5EE5-EA598D831A42}"/>
+              </a:ext>
+            </a:extLst>
+          </p:cNvPr>
+          <p:cNvCxnSpPr>
+            <a:cxnSpLocks/>
+            <a:stCxn id="7" idx="4"/>
+            <a:endCxn id="8" idx="0"/>
+          </p:cNvCxnSpPr>
+          <p:nvPr/>
+        </p:nvCxnSpPr>
+        <p:spPr>
+          <a:xfrm>
+            <a:off x="3511221" y="3290754"/>
+            <a:ext cx="0" cy="791932"/>
+          </a:xfrm>
+          <a:prstGeom prst="line">
+            <a:avLst/>
+          </a:prstGeom>
+          <a:ln w="28575">
+            <a:solidFill>
+              <a:schemeClr val="tx1">
+                <a:lumMod val="95000"/>
+                <a:lumOff val="5000"/>
+              </a:schemeClr>
+            </a:solidFill>
+          </a:ln>
+        </p:spPr>
+        <p:style>
+          <a:lnRef idx="2">
+            <a:schemeClr val="accent1"/>
+          </a:lnRef>
+          <a:fillRef idx="0">
+            <a:schemeClr val="accent1"/>
+          </a:fillRef>
+          <a:effectRef idx="1">
+            <a:schemeClr val="accent1"/>
+          </a:effectRef>
+          <a:fontRef idx="minor">
+            <a:schemeClr val="tx1"/>
+          </a:fontRef>
+        </p:style>
+      </p:cxnSp>
+      <p:cxnSp>
+        <p:nvCxnSpPr>
+          <p:cNvPr id="44" name="Gerade Verbindung 43">
+            <a:extLst>
+              <a:ext uri="{FF2B5EF4-FFF2-40B4-BE49-F238E27FC236}">
+                <a16:creationId xmlns:a16="http://schemas.microsoft.com/office/drawing/2014/main" id="{F085B17D-862C-7039-D660-33680E238BF1}"/>
+              </a:ext>
+            </a:extLst>
+          </p:cNvPr>
+          <p:cNvCxnSpPr>
+            <a:cxnSpLocks/>
+            <a:stCxn id="5" idx="5"/>
+            <a:endCxn id="8" idx="1"/>
+          </p:cNvCxnSpPr>
+          <p:nvPr/>
+        </p:nvCxnSpPr>
+        <p:spPr>
+          <a:xfrm>
+            <a:off x="1586930" y="3132592"/>
+            <a:ext cx="1542453" cy="1108256"/>
+          </a:xfrm>
+          <a:prstGeom prst="line">
+            <a:avLst/>
+          </a:prstGeom>
+          <a:ln w="28575">
+            <a:solidFill>
+              <a:schemeClr val="tx1">
+                <a:lumMod val="95000"/>
+                <a:lumOff val="5000"/>
+              </a:schemeClr>
+            </a:solidFill>
+          </a:ln>
+        </p:spPr>
+        <p:style>
+          <a:lnRef idx="2">
+            <a:schemeClr val="accent1"/>
+          </a:lnRef>
+          <a:fillRef idx="0">
+            <a:schemeClr val="accent1"/>
+          </a:fillRef>
+          <a:effectRef idx="1">
+            <a:schemeClr val="accent1"/>
+          </a:effectRef>
+          <a:fontRef idx="minor">
+            <a:schemeClr val="tx1"/>
+          </a:fontRef>
+        </p:style>
+      </p:cxnSp>
+      <p:sp>
+        <p:nvSpPr>
+          <p:cNvPr id="47" name="Textfeld 46">
+            <a:extLst>
+              <a:ext uri="{FF2B5EF4-FFF2-40B4-BE49-F238E27FC236}">
+                <a16:creationId xmlns:a16="http://schemas.microsoft.com/office/drawing/2014/main" id="{47941920-B475-F40B-1449-23EDAE49039E}"/>
+              </a:ext>
+            </a:extLst>
+          </p:cNvPr>
+          <p:cNvSpPr txBox="1"/>
+          <p:nvPr/>
+        </p:nvSpPr>
+        <p:spPr>
+          <a:xfrm>
+            <a:off x="1870834" y="1459584"/>
+            <a:ext cx="718549" cy="369332"/>
+          </a:xfrm>
+          <a:prstGeom prst="rect">
+            <a:avLst/>
+          </a:prstGeom>
+          <a:noFill/>
+        </p:spPr>
+        <p:txBody>
+          <a:bodyPr wrap="square" rtlCol="0">
+            <a:spAutoFit/>
+          </a:bodyPr>
+          <a:lstStyle/>
+          <a:p>
+            <a:pPr algn="ctr"/>
+            <a:r>
+              <a:rPr lang="de-DE" dirty="0"/>
+              <a:t>70</a:t>
+            </a:r>
+          </a:p>
+        </p:txBody>
+      </p:sp>
+      <p:sp>
+        <p:nvSpPr>
+          <p:cNvPr id="48" name="Textfeld 47">
+            <a:extLst>
+              <a:ext uri="{FF2B5EF4-FFF2-40B4-BE49-F238E27FC236}">
+                <a16:creationId xmlns:a16="http://schemas.microsoft.com/office/drawing/2014/main" id="{3894FA8A-5427-5B63-97DC-37026CA12BD5}"/>
+              </a:ext>
+            </a:extLst>
+          </p:cNvPr>
+          <p:cNvSpPr txBox="1"/>
+          <p:nvPr/>
+        </p:nvSpPr>
+        <p:spPr>
+          <a:xfrm>
+            <a:off x="1998882" y="2411648"/>
+            <a:ext cx="718549" cy="369332"/>
+          </a:xfrm>
+          <a:prstGeom prst="rect">
+            <a:avLst/>
+          </a:prstGeom>
+          <a:noFill/>
+        </p:spPr>
+        <p:txBody>
+          <a:bodyPr wrap="square" rtlCol="0">
+            <a:spAutoFit/>
+          </a:bodyPr>
+          <a:lstStyle/>
+          <a:p>
+            <a:pPr algn="ctr"/>
+            <a:r>
+              <a:rPr lang="de-DE" dirty="0"/>
+              <a:t>60</a:t>
+            </a:r>
+          </a:p>
+        </p:txBody>
+      </p:sp>
+      <p:sp>
+        <p:nvSpPr>
+          <p:cNvPr id="49" name="Textfeld 48">
+            <a:extLst>
+              <a:ext uri="{FF2B5EF4-FFF2-40B4-BE49-F238E27FC236}">
+                <a16:creationId xmlns:a16="http://schemas.microsoft.com/office/drawing/2014/main" id="{C15F8814-0A56-32E3-14D3-A48276A96A4F}"/>
+              </a:ext>
+            </a:extLst>
+          </p:cNvPr>
+          <p:cNvSpPr txBox="1"/>
+          <p:nvPr/>
+        </p:nvSpPr>
+        <p:spPr>
+          <a:xfrm>
+            <a:off x="1870833" y="3686720"/>
+            <a:ext cx="718549" cy="369332"/>
+          </a:xfrm>
+          <a:prstGeom prst="rect">
+            <a:avLst/>
+          </a:prstGeom>
+          <a:noFill/>
+        </p:spPr>
+        <p:txBody>
+          <a:bodyPr wrap="square" rtlCol="0">
+            <a:spAutoFit/>
+          </a:bodyPr>
+          <a:lstStyle/>
+          <a:p>
+            <a:pPr algn="ctr"/>
+            <a:r>
+              <a:rPr lang="de-DE" dirty="0"/>
+              <a:t>75</a:t>
+            </a:r>
+          </a:p>
+        </p:txBody>
+      </p:sp>
+      <p:sp>
+        <p:nvSpPr>
+          <p:cNvPr id="50" name="Textfeld 49">
+            <a:extLst>
+              <a:ext uri="{FF2B5EF4-FFF2-40B4-BE49-F238E27FC236}">
+                <a16:creationId xmlns:a16="http://schemas.microsoft.com/office/drawing/2014/main" id="{0C4616C5-0783-B72C-4579-DD333E7D8A08}"/>
+              </a:ext>
+            </a:extLst>
+          </p:cNvPr>
+          <p:cNvSpPr txBox="1"/>
+          <p:nvPr/>
+        </p:nvSpPr>
+        <p:spPr>
+          <a:xfrm>
+            <a:off x="3353058" y="3461422"/>
+            <a:ext cx="718549" cy="369332"/>
+          </a:xfrm>
+          <a:prstGeom prst="rect">
+            <a:avLst/>
+          </a:prstGeom>
+          <a:noFill/>
+        </p:spPr>
+        <p:txBody>
+          <a:bodyPr wrap="square" rtlCol="0">
+            <a:spAutoFit/>
+          </a:bodyPr>
+          <a:lstStyle/>
+          <a:p>
+            <a:pPr algn="ctr"/>
+            <a:r>
+              <a:rPr lang="de-DE" dirty="0"/>
+              <a:t>45</a:t>
+            </a:r>
+          </a:p>
+        </p:txBody>
+      </p:sp>
+      <p:sp>
+        <p:nvSpPr>
+          <p:cNvPr id="51" name="Textfeld 50">
+            <a:extLst>
+              <a:ext uri="{FF2B5EF4-FFF2-40B4-BE49-F238E27FC236}">
+                <a16:creationId xmlns:a16="http://schemas.microsoft.com/office/drawing/2014/main" id="{13BB5111-86F3-4BED-6510-20CD59E286C7}"/>
+              </a:ext>
+            </a:extLst>
+          </p:cNvPr>
+          <p:cNvSpPr txBox="1"/>
+          <p:nvPr/>
+        </p:nvSpPr>
+        <p:spPr>
+          <a:xfrm>
+            <a:off x="3353058" y="1615994"/>
+            <a:ext cx="718549" cy="369332"/>
+          </a:xfrm>
+          <a:prstGeom prst="rect">
+            <a:avLst/>
+          </a:prstGeom>
+          <a:noFill/>
+        </p:spPr>
+        <p:txBody>
+          <a:bodyPr wrap="square" rtlCol="0">
+            <a:spAutoFit/>
+          </a:bodyPr>
+          <a:lstStyle/>
+          <a:p>
+            <a:pPr algn="ctr"/>
+            <a:r>
+              <a:rPr lang="de-DE" dirty="0"/>
+              <a:t>25</a:t>
+            </a:r>
+          </a:p>
+        </p:txBody>
+      </p:sp>
+      <p:sp>
+        <p:nvSpPr>
+          <p:cNvPr id="52" name="Textfeld 51">
+            <a:extLst>
+              <a:ext uri="{FF2B5EF4-FFF2-40B4-BE49-F238E27FC236}">
+                <a16:creationId xmlns:a16="http://schemas.microsoft.com/office/drawing/2014/main" id="{F4B52881-6F37-4518-ED10-5B3274B31ABC}"/>
+              </a:ext>
+            </a:extLst>
+          </p:cNvPr>
+          <p:cNvSpPr txBox="1"/>
+          <p:nvPr/>
+        </p:nvSpPr>
+        <p:spPr>
+          <a:xfrm>
+            <a:off x="5633538" y="1615994"/>
+            <a:ext cx="718549" cy="369332"/>
+          </a:xfrm>
+          <a:prstGeom prst="rect">
+            <a:avLst/>
+          </a:prstGeom>
+          <a:noFill/>
+        </p:spPr>
+        <p:txBody>
+          <a:bodyPr wrap="square" rtlCol="0">
+            <a:spAutoFit/>
+          </a:bodyPr>
+          <a:lstStyle/>
+          <a:p>
+            <a:pPr algn="ctr"/>
+            <a:r>
+              <a:rPr lang="de-DE" dirty="0"/>
+              <a:t>30</a:t>
+            </a:r>
+          </a:p>
+        </p:txBody>
+      </p:sp>
+      <p:sp>
+        <p:nvSpPr>
+          <p:cNvPr id="53" name="Textfeld 52">
+            <a:extLst>
+              <a:ext uri="{FF2B5EF4-FFF2-40B4-BE49-F238E27FC236}">
+                <a16:creationId xmlns:a16="http://schemas.microsoft.com/office/drawing/2014/main" id="{1BC47D5E-3D7B-F952-E599-ED881B9CAE91}"/>
+              </a:ext>
+            </a:extLst>
+          </p:cNvPr>
+          <p:cNvSpPr txBox="1"/>
+          <p:nvPr/>
+        </p:nvSpPr>
+        <p:spPr>
+          <a:xfrm>
+            <a:off x="4305011" y="509490"/>
+            <a:ext cx="718549" cy="369332"/>
+          </a:xfrm>
+          <a:prstGeom prst="rect">
+            <a:avLst/>
+          </a:prstGeom>
+          <a:noFill/>
+        </p:spPr>
+        <p:txBody>
+          <a:bodyPr wrap="square" rtlCol="0">
+            <a:spAutoFit/>
+          </a:bodyPr>
+          <a:lstStyle/>
+          <a:p>
+            <a:pPr algn="ctr"/>
+            <a:r>
+              <a:rPr lang="de-DE" dirty="0"/>
+              <a:t>40</a:t>
+            </a:r>
+          </a:p>
+        </p:txBody>
+      </p:sp>
+      <p:sp>
+        <p:nvSpPr>
+          <p:cNvPr id="54" name="Textfeld 53">
+            <a:extLst>
+              <a:ext uri="{FF2B5EF4-FFF2-40B4-BE49-F238E27FC236}">
+                <a16:creationId xmlns:a16="http://schemas.microsoft.com/office/drawing/2014/main" id="{94311C48-7BE9-6B27-51E1-2A244A461ABC}"/>
+              </a:ext>
+            </a:extLst>
+          </p:cNvPr>
+          <p:cNvSpPr txBox="1"/>
+          <p:nvPr/>
+        </p:nvSpPr>
+        <p:spPr>
+          <a:xfrm>
+            <a:off x="4453444" y="3686720"/>
+            <a:ext cx="718549" cy="369332"/>
+          </a:xfrm>
+          <a:prstGeom prst="rect">
+            <a:avLst/>
+          </a:prstGeom>
+          <a:noFill/>
+        </p:spPr>
+        <p:txBody>
+          <a:bodyPr wrap="square" rtlCol="0">
+            <a:spAutoFit/>
+          </a:bodyPr>
+          <a:lstStyle/>
+          <a:p>
+            <a:pPr algn="ctr"/>
+            <a:r>
+              <a:rPr lang="de-DE" dirty="0"/>
+              <a:t>85</a:t>
+            </a:r>
+          </a:p>
+        </p:txBody>
+      </p:sp>
+      <p:sp>
+        <p:nvSpPr>
+          <p:cNvPr id="55" name="Textfeld 54">
+            <a:extLst>
+              <a:ext uri="{FF2B5EF4-FFF2-40B4-BE49-F238E27FC236}">
+                <a16:creationId xmlns:a16="http://schemas.microsoft.com/office/drawing/2014/main" id="{8A9CF5DA-8254-F502-F999-92FBC3488984}"/>
+              </a:ext>
+            </a:extLst>
+          </p:cNvPr>
+          <p:cNvSpPr txBox="1"/>
+          <p:nvPr/>
+        </p:nvSpPr>
+        <p:spPr>
+          <a:xfrm>
+            <a:off x="6611139" y="2411648"/>
+            <a:ext cx="718549" cy="369332"/>
+          </a:xfrm>
+          <a:prstGeom prst="rect">
+            <a:avLst/>
+          </a:prstGeom>
+          <a:noFill/>
+        </p:spPr>
+        <p:txBody>
+          <a:bodyPr wrap="square" rtlCol="0">
+            <a:spAutoFit/>
+          </a:bodyPr>
+          <a:lstStyle/>
+          <a:p>
+            <a:pPr algn="ctr"/>
+            <a:r>
+              <a:rPr lang="de-DE" dirty="0"/>
+              <a:t>85</a:t>
+            </a:r>
+          </a:p>
+        </p:txBody>
+      </p:sp>
+      <p:sp>
+        <p:nvSpPr>
+          <p:cNvPr id="56" name="Textfeld 55">
+            <a:extLst>
+              <a:ext uri="{FF2B5EF4-FFF2-40B4-BE49-F238E27FC236}">
+                <a16:creationId xmlns:a16="http://schemas.microsoft.com/office/drawing/2014/main" id="{AC892CFC-6FBE-22C9-C37F-383E10B72D94}"/>
+              </a:ext>
+            </a:extLst>
+          </p:cNvPr>
+          <p:cNvSpPr txBox="1"/>
+          <p:nvPr/>
+        </p:nvSpPr>
+        <p:spPr>
+          <a:xfrm>
+            <a:off x="6879418" y="1788694"/>
+            <a:ext cx="718549" cy="369332"/>
+          </a:xfrm>
+          <a:prstGeom prst="rect">
+            <a:avLst/>
+          </a:prstGeom>
+          <a:noFill/>
+        </p:spPr>
+        <p:txBody>
+          <a:bodyPr wrap="square" rtlCol="0">
+            <a:spAutoFit/>
+          </a:bodyPr>
+          <a:lstStyle/>
+          <a:p>
+            <a:pPr algn="ctr"/>
+            <a:r>
+              <a:rPr lang="de-DE" dirty="0"/>
+              <a:t>55</a:t>
+            </a:r>
+          </a:p>
+        </p:txBody>
+      </p:sp>
+      <p:sp>
+        <p:nvSpPr>
+          <p:cNvPr id="57" name="Textfeld 56">
+            <a:extLst>
+              <a:ext uri="{FF2B5EF4-FFF2-40B4-BE49-F238E27FC236}">
+                <a16:creationId xmlns:a16="http://schemas.microsoft.com/office/drawing/2014/main" id="{C6AC2285-6BC3-68E9-DB30-C9406F015DF6}"/>
+              </a:ext>
+            </a:extLst>
+          </p:cNvPr>
+          <p:cNvSpPr txBox="1"/>
+          <p:nvPr/>
+        </p:nvSpPr>
+        <p:spPr>
+          <a:xfrm>
+            <a:off x="6611138" y="544891"/>
+            <a:ext cx="718549" cy="369332"/>
+          </a:xfrm>
+          <a:prstGeom prst="rect">
+            <a:avLst/>
+          </a:prstGeom>
+          <a:noFill/>
+        </p:spPr>
+        <p:txBody>
+          <a:bodyPr wrap="square" rtlCol="0">
+            <a:spAutoFit/>
+          </a:bodyPr>
+          <a:lstStyle/>
+          <a:p>
+            <a:pPr algn="ctr"/>
+            <a:r>
+              <a:rPr lang="de-DE" dirty="0"/>
+              <a:t>45</a:t>
+            </a:r>
+          </a:p>
+        </p:txBody>
+      </p:sp>
+      <p:sp>
+        <p:nvSpPr>
+          <p:cNvPr id="58" name="Textfeld 57">
+            <a:extLst>
+              <a:ext uri="{FF2B5EF4-FFF2-40B4-BE49-F238E27FC236}">
+                <a16:creationId xmlns:a16="http://schemas.microsoft.com/office/drawing/2014/main" id="{D48570D5-E977-6BB1-CB5E-88E0B2564766}"/>
+              </a:ext>
+            </a:extLst>
+          </p:cNvPr>
+          <p:cNvSpPr txBox="1"/>
+          <p:nvPr/>
+        </p:nvSpPr>
+        <p:spPr>
+          <a:xfrm>
+            <a:off x="5374799" y="3809645"/>
+            <a:ext cx="3288680" cy="1815882"/>
+          </a:xfrm>
+          <a:prstGeom prst="rect">
+            <a:avLst/>
+          </a:prstGeom>
+          <a:noFill/>
+          <a:ln>
+            <a:solidFill>
+              <a:schemeClr val="tx1">
+                <a:lumMod val="95000"/>
+                <a:lumOff val="5000"/>
+              </a:schemeClr>
+            </a:solidFill>
+          </a:ln>
+        </p:spPr>
+        <p:txBody>
+          <a:bodyPr wrap="square" rtlCol="0">
+            <a:spAutoFit/>
+          </a:bodyPr>
+          <a:lstStyle/>
+          <a:p>
+            <a:r>
+              <a:rPr lang="de-DE" sz="1400" dirty="0"/>
+              <a:t>RTL 	Rohteillager</a:t>
+            </a:r>
+          </a:p>
+          <a:p>
+            <a:r>
+              <a:rPr lang="de-DE" sz="1400" dirty="0"/>
+              <a:t>SAE	BMG Sägen</a:t>
+            </a:r>
+          </a:p>
+          <a:p>
+            <a:r>
+              <a:rPr lang="de-DE" sz="1400" dirty="0"/>
+              <a:t>DRH	BMG Drehen</a:t>
+            </a:r>
+          </a:p>
+          <a:p>
+            <a:r>
+              <a:rPr lang="de-DE" sz="1400" dirty="0"/>
+              <a:t>FRA	BMG Fräsen</a:t>
+            </a:r>
+          </a:p>
+          <a:p>
+            <a:r>
+              <a:rPr lang="de-DE" sz="1400" dirty="0"/>
+              <a:t>HAE	BMG Härten</a:t>
+            </a:r>
+          </a:p>
+          <a:p>
+            <a:r>
+              <a:rPr lang="de-DE" sz="1400" dirty="0"/>
+              <a:t>QPR	Qualitätsprüfung</a:t>
+            </a:r>
+          </a:p>
+          <a:p>
+            <a:r>
+              <a:rPr lang="de-DE" sz="1400" dirty="0"/>
+              <a:t>FTL	Fertigteillager</a:t>
+            </a:r>
+          </a:p>
+          <a:p>
+            <a:r>
+              <a:rPr lang="de-DE" sz="1400" dirty="0"/>
+              <a:t>FFZ	Ladestation Flurförderzeuge</a:t>
+            </a:r>
+          </a:p>
+        </p:txBody>
+      </p:sp>
+    </p:spTree>
+    <p:extLst>
+      <p:ext uri="{BB962C8B-B14F-4D97-AF65-F5344CB8AC3E}">
+        <p14:creationId xmlns:p14="http://schemas.microsoft.com/office/powerpoint/2010/main" val="2178127187"/>
       </p:ext>
     </p:extLst>
   </p:cSld>
@@ -4700,4 +6702,319 @@
     </a:ext>
   </a:extLst>
 </a:theme>
+</file>
+
+<file path=ppt/theme/theme2.xml><?xml version="1.0" encoding="utf-8"?>
+<a:theme xmlns:a="http://schemas.openxmlformats.org/drawingml/2006/main" name="Office">
+  <a:themeElements>
+    <a:clrScheme name="Office">
+      <a:dk1>
+        <a:sysClr val="windowText" lastClr="000000"/>
+      </a:dk1>
+      <a:lt1>
+        <a:sysClr val="window" lastClr="FFFFFF"/>
+      </a:lt1>
+      <a:dk2>
+        <a:srgbClr val="0E2841"/>
+      </a:dk2>
+      <a:lt2>
+        <a:srgbClr val="E8E8E8"/>
+      </a:lt2>
+      <a:accent1>
+        <a:srgbClr val="156082"/>
+      </a:accent1>
+      <a:accent2>
+        <a:srgbClr val="E97132"/>
+      </a:accent2>
+      <a:accent3>
+        <a:srgbClr val="196B24"/>
+      </a:accent3>
+      <a:accent4>
+        <a:srgbClr val="0F9ED5"/>
+      </a:accent4>
+      <a:accent5>
+        <a:srgbClr val="A02B93"/>
+      </a:accent5>
+      <a:accent6>
+        <a:srgbClr val="4EA72E"/>
+      </a:accent6>
+      <a:hlink>
+        <a:srgbClr val="467886"/>
+      </a:hlink>
+      <a:folHlink>
+        <a:srgbClr val="96607D"/>
+      </a:folHlink>
+    </a:clrScheme>
+    <a:fontScheme name="Office">
+      <a:majorFont>
+        <a:latin typeface="Aptos Display" panose="02110004020202020204"/>
+        <a:ea typeface=""/>
+        <a:cs typeface=""/>
+        <a:font script="Jpan" typeface="游ゴシック Light"/>
+        <a:font script="Hang" typeface="맑은 고딕"/>
+        <a:font script="Hans" typeface="等线 Light"/>
+        <a:font script="Hant" typeface="新細明體"/>
+        <a:font script="Arab" typeface="Times New Roman"/>
+        <a:font script="Hebr" typeface="Times New Roman"/>
+        <a:font script="Thai" typeface="Angsana New"/>
+        <a:font script="Ethi" typeface="Nyala"/>
+        <a:font script="Beng" typeface="Vrinda"/>
+        <a:font script="Gujr" typeface="Shruti"/>
+        <a:font script="Khmr" typeface="MoolBoran"/>
+        <a:font script="Knda" typeface="Tunga"/>
+        <a:font script="Guru" typeface="Raavi"/>
+        <a:font script="Cans" typeface="Euphemia"/>
+        <a:font script="Cher" typeface="Plantagenet Cherokee"/>
+        <a:font script="Yiii" typeface="Microsoft Yi Baiti"/>
+        <a:font script="Tibt" typeface="Microsoft Himalaya"/>
+        <a:font script="Thaa" typeface="MV Boli"/>
+        <a:font script="Deva" typeface="Mangal"/>
+        <a:font script="Telu" typeface="Gautami"/>
+        <a:font script="Taml" typeface="Latha"/>
+        <a:font script="Syrc" typeface="Estrangelo Edessa"/>
+        <a:font script="Orya" typeface="Kalinga"/>
+        <a:font script="Mlym" typeface="Kartika"/>
+        <a:font script="Laoo" typeface="DokChampa"/>
+        <a:font script="Sinh" typeface="Iskoola Pota"/>
+        <a:font script="Mong" typeface="Mongolian Baiti"/>
+        <a:font script="Viet" typeface="Times New Roman"/>
+        <a:font script="Uigh" typeface="Microsoft Uighur"/>
+        <a:font script="Geor" typeface="Sylfaen"/>
+        <a:font script="Armn" typeface="Arial"/>
+        <a:font script="Bugi" typeface="Leelawadee UI"/>
+        <a:font script="Bopo" typeface="Microsoft JhengHei"/>
+        <a:font script="Java" typeface="Javanese Text"/>
+        <a:font script="Lisu" typeface="Segoe UI"/>
+        <a:font script="Mymr" typeface="Myanmar Text"/>
+        <a:font script="Nkoo" typeface="Ebrima"/>
+        <a:font script="Olck" typeface="Nirmala UI"/>
+        <a:font script="Osma" typeface="Ebrima"/>
+        <a:font script="Phag" typeface="Phagspa"/>
+        <a:font script="Syrn" typeface="Estrangelo Edessa"/>
+        <a:font script="Syrj" typeface="Estrangelo Edessa"/>
+        <a:font script="Syre" typeface="Estrangelo Edessa"/>
+        <a:font script="Sora" typeface="Nirmala UI"/>
+        <a:font script="Tale" typeface="Microsoft Tai Le"/>
+        <a:font script="Talu" typeface="Microsoft New Tai Lue"/>
+        <a:font script="Tfng" typeface="Ebrima"/>
+      </a:majorFont>
+      <a:minorFont>
+        <a:latin typeface="Aptos" panose="02110004020202020204"/>
+        <a:ea typeface=""/>
+        <a:cs typeface=""/>
+        <a:font script="Jpan" typeface="游ゴシック"/>
+        <a:font script="Hang" typeface="맑은 고딕"/>
+        <a:font script="Hans" typeface="等线"/>
+        <a:font script="Hant" typeface="新細明體"/>
+        <a:font script="Arab" typeface="Arial"/>
+        <a:font script="Hebr" typeface="Arial"/>
+        <a:font script="Thai" typeface="Cordia New"/>
+        <a:font script="Ethi" typeface="Nyala"/>
+        <a:font script="Beng" typeface="Vrinda"/>
+        <a:font script="Gujr" typeface="Shruti"/>
+        <a:font script="Khmr" typeface="DaunPenh"/>
+        <a:font script="Knda" typeface="Tunga"/>
+        <a:font script="Guru" typeface="Raavi"/>
+        <a:font script="Cans" typeface="Euphemia"/>
+        <a:font script="Cher" typeface="Plantagenet Cherokee"/>
+        <a:font script="Yiii" typeface="Microsoft Yi Baiti"/>
+        <a:font script="Tibt" typeface="Microsoft Himalaya"/>
+        <a:font script="Thaa" typeface="MV Boli"/>
+        <a:font script="Deva" typeface="Mangal"/>
+        <a:font script="Telu" typeface="Gautami"/>
+        <a:font script="Taml" typeface="Latha"/>
+        <a:font script="Syrc" typeface="Estrangelo Edessa"/>
+        <a:font script="Orya" typeface="Kalinga"/>
+        <a:font script="Mlym" typeface="Kartika"/>
+        <a:font script="Laoo" typeface="DokChampa"/>
+        <a:font script="Sinh" typeface="Iskoola Pota"/>
+        <a:font script="Mong" typeface="Mongolian Baiti"/>
+        <a:font script="Viet" typeface="Arial"/>
+        <a:font script="Uigh" typeface="Microsoft Uighur"/>
+        <a:font script="Geor" typeface="Sylfaen"/>
+        <a:font script="Armn" typeface="Arial"/>
+        <a:font script="Bugi" typeface="Leelawadee UI"/>
+        <a:font script="Bopo" typeface="Microsoft JhengHei"/>
+        <a:font script="Java" typeface="Javanese Text"/>
+        <a:font script="Lisu" typeface="Segoe UI"/>
+        <a:font script="Mymr" typeface="Myanmar Text"/>
+        <a:font script="Nkoo" typeface="Ebrima"/>
+        <a:font script="Olck" typeface="Nirmala UI"/>
+        <a:font script="Osma" typeface="Ebrima"/>
+        <a:font script="Phag" typeface="Phagspa"/>
+        <a:font script="Syrn" typeface="Estrangelo Edessa"/>
+        <a:font script="Syrj" typeface="Estrangelo Edessa"/>
+        <a:font script="Syre" typeface="Estrangelo Edessa"/>
+        <a:font script="Sora" typeface="Nirmala UI"/>
+        <a:font script="Tale" typeface="Microsoft Tai Le"/>
+        <a:font script="Talu" typeface="Microsoft New Tai Lue"/>
+        <a:font script="Tfng" typeface="Ebrima"/>
+      </a:minorFont>
+    </a:fontScheme>
+    <a:fmtScheme name="Office">
+      <a:fillStyleLst>
+        <a:solidFill>
+          <a:schemeClr val="phClr"/>
+        </a:solidFill>
+        <a:gradFill rotWithShape="1">
+          <a:gsLst>
+            <a:gs pos="0">
+              <a:schemeClr val="phClr">
+                <a:lumMod val="110000"/>
+                <a:satMod val="105000"/>
+                <a:tint val="67000"/>
+              </a:schemeClr>
+            </a:gs>
+            <a:gs pos="50000">
+              <a:schemeClr val="phClr">
+                <a:lumMod val="105000"/>
+                <a:satMod val="103000"/>
+                <a:tint val="73000"/>
+              </a:schemeClr>
+            </a:gs>
+            <a:gs pos="100000">
+              <a:schemeClr val="phClr">
+                <a:lumMod val="105000"/>
+                <a:satMod val="109000"/>
+                <a:tint val="81000"/>
+              </a:schemeClr>
+            </a:gs>
+          </a:gsLst>
+          <a:lin ang="5400000" scaled="0"/>
+        </a:gradFill>
+        <a:gradFill rotWithShape="1">
+          <a:gsLst>
+            <a:gs pos="0">
+              <a:schemeClr val="phClr">
+                <a:satMod val="103000"/>
+                <a:lumMod val="102000"/>
+                <a:tint val="94000"/>
+              </a:schemeClr>
+            </a:gs>
+            <a:gs pos="50000">
+              <a:schemeClr val="phClr">
+                <a:satMod val="110000"/>
+                <a:lumMod val="100000"/>
+                <a:shade val="100000"/>
+              </a:schemeClr>
+            </a:gs>
+            <a:gs pos="100000">
+              <a:schemeClr val="phClr">
+                <a:lumMod val="99000"/>
+                <a:satMod val="120000"/>
+                <a:shade val="78000"/>
+              </a:schemeClr>
+            </a:gs>
+          </a:gsLst>
+          <a:lin ang="5400000" scaled="0"/>
+        </a:gradFill>
+      </a:fillStyleLst>
+      <a:lnStyleLst>
+        <a:ln w="12700" cap="flat" cmpd="sng" algn="ctr">
+          <a:solidFill>
+            <a:schemeClr val="phClr"/>
+          </a:solidFill>
+          <a:prstDash val="solid"/>
+          <a:miter lim="800000"/>
+        </a:ln>
+        <a:ln w="19050" cap="flat" cmpd="sng" algn="ctr">
+          <a:solidFill>
+            <a:schemeClr val="phClr"/>
+          </a:solidFill>
+          <a:prstDash val="solid"/>
+          <a:miter lim="800000"/>
+        </a:ln>
+        <a:ln w="25400" cap="flat" cmpd="sng" algn="ctr">
+          <a:solidFill>
+            <a:schemeClr val="phClr"/>
+          </a:solidFill>
+          <a:prstDash val="solid"/>
+          <a:miter lim="800000"/>
+        </a:ln>
+      </a:lnStyleLst>
+      <a:effectStyleLst>
+        <a:effectStyle>
+          <a:effectLst/>
+        </a:effectStyle>
+        <a:effectStyle>
+          <a:effectLst/>
+        </a:effectStyle>
+        <a:effectStyle>
+          <a:effectLst>
+            <a:outerShdw blurRad="57150" dist="19050" dir="5400000" algn="ctr" rotWithShape="0">
+              <a:srgbClr val="000000">
+                <a:alpha val="63000"/>
+              </a:srgbClr>
+            </a:outerShdw>
+          </a:effectLst>
+        </a:effectStyle>
+      </a:effectStyleLst>
+      <a:bgFillStyleLst>
+        <a:solidFill>
+          <a:schemeClr val="phClr"/>
+        </a:solidFill>
+        <a:solidFill>
+          <a:schemeClr val="phClr">
+            <a:tint val="95000"/>
+            <a:satMod val="170000"/>
+          </a:schemeClr>
+        </a:solidFill>
+        <a:gradFill rotWithShape="1">
+          <a:gsLst>
+            <a:gs pos="0">
+              <a:schemeClr val="phClr">
+                <a:tint val="93000"/>
+                <a:satMod val="150000"/>
+                <a:shade val="98000"/>
+                <a:lumMod val="102000"/>
+              </a:schemeClr>
+            </a:gs>
+            <a:gs pos="50000">
+              <a:schemeClr val="phClr">
+                <a:tint val="98000"/>
+                <a:satMod val="130000"/>
+                <a:shade val="90000"/>
+                <a:lumMod val="103000"/>
+              </a:schemeClr>
+            </a:gs>
+            <a:gs pos="100000">
+              <a:schemeClr val="phClr">
+                <a:shade val="63000"/>
+                <a:satMod val="120000"/>
+              </a:schemeClr>
+            </a:gs>
+          </a:gsLst>
+          <a:lin ang="5400000" scaled="0"/>
+        </a:gradFill>
+      </a:bgFillStyleLst>
+    </a:fmtScheme>
+  </a:themeElements>
+  <a:objectDefaults>
+    <a:lnDef>
+      <a:spPr/>
+      <a:bodyPr/>
+      <a:lstStyle/>
+      <a:style>
+        <a:lnRef idx="2">
+          <a:schemeClr val="accent1"/>
+        </a:lnRef>
+        <a:fillRef idx="0">
+          <a:schemeClr val="accent1"/>
+        </a:fillRef>
+        <a:effectRef idx="1">
+          <a:schemeClr val="accent1"/>
+        </a:effectRef>
+        <a:fontRef idx="minor">
+          <a:schemeClr val="tx1"/>
+        </a:fontRef>
+      </a:style>
+    </a:lnDef>
+  </a:objectDefaults>
+  <a:extraClrSchemeLst/>
+  <a:extLst>
+    <a:ext uri="{05A4C25C-085E-4340-85A3-A5531E510DB2}">
+      <thm15:themeFamily xmlns:thm15="http://schemas.microsoft.com/office/thememl/2012/main" name="Office Theme" id="{2E142A2C-CD16-42D6-873A-C26D2A0506FA}" vid="{1BDDFF52-6CD6-40A5-AB3C-68EB2F1E4D0A}"/>
+    </a:ext>
+  </a:extLst>
+</a:theme>
 </file>